--- a/docs/Apresentação.pptx
+++ b/docs/Apresentação.pptx
@@ -3,7 +3,7 @@
 <p:presentation xmlns:a="http://schemas.openxmlformats.org/drawingml/2006/main" xmlns:r="http://schemas.openxmlformats.org/officeDocument/2006/relationships" xmlns:p="http://schemas.openxmlformats.org/presentationml/2006/main" saveSubsetFonts="1">
   <p:sldMasterIdLst>
     <p:sldMasterId id="2147483708" r:id="rId1"/>
-    <p:sldMasterId id="2147483738" r:id="rId2"/>
+    <p:sldMasterId id="2147483757" r:id="rId2"/>
   </p:sldMasterIdLst>
   <p:notesMasterIdLst>
     <p:notesMasterId r:id="rId6"/>
@@ -13,7 +13,7 @@
     <p:sldId id="309" r:id="rId4"/>
     <p:sldId id="310" r:id="rId5"/>
   </p:sldIdLst>
-  <p:sldSz cx="9144000" cy="6858000" type="screen4x3"/>
+  <p:sldSz cx="12192000" cy="6858000"/>
   <p:notesSz cx="6858000" cy="9144000"/>
   <p:defaultTextStyle>
     <a:defPPr>
@@ -112,13 +112,13 @@
   </p:defaultTextStyle>
   <p:extLst>
     <p:ext uri="{EFAFB233-063F-42B5-8137-9DF3F51BA10A}">
-      <p15:sldGuideLst xmlns="" xmlns:p15="http://schemas.microsoft.com/office/powerpoint/2012/main">
-        <p15:guide id="1" orient="horz" pos="2160">
+      <p15:sldGuideLst xmlns:p15="http://schemas.microsoft.com/office/powerpoint/2012/main">
+        <p15:guide id="1" orient="horz" pos="2160" userDrawn="1">
           <p15:clr>
             <a:srgbClr val="A4A3A4"/>
           </p15:clr>
         </p15:guide>
-        <p15:guide id="2" pos="2880">
+        <p15:guide id="2" pos="3840" userDrawn="1">
           <p15:clr>
             <a:srgbClr val="A4A3A4"/>
           </p15:clr>
@@ -229,8 +229,8 @@
         </p:nvSpPr>
         <p:spPr>
           <a:xfrm>
-            <a:off x="1143000" y="685800"/>
-            <a:ext cx="4572000" cy="3429000"/>
+            <a:off x="381000" y="685800"/>
+            <a:ext cx="6096000" cy="3429000"/>
           </a:xfrm>
           <a:prstGeom prst="rect">
             <a:avLst/>
@@ -508,8 +508,8 @@
         </p:nvSpPr>
         <p:spPr>
           <a:xfrm>
-            <a:off x="1143000" y="1124530"/>
-            <a:ext cx="6858000" cy="2387600"/>
+            <a:off x="1524000" y="1124530"/>
+            <a:ext cx="9144000" cy="2387600"/>
           </a:xfrm>
         </p:spPr>
         <p:txBody>
@@ -542,8 +542,8 @@
         </p:nvSpPr>
         <p:spPr>
           <a:xfrm>
-            <a:off x="1143000" y="3602038"/>
-            <a:ext cx="6858000" cy="1655762"/>
+            <a:off x="1524000" y="3602038"/>
+            <a:ext cx="9144000" cy="1655762"/>
           </a:xfrm>
         </p:spPr>
         <p:txBody>
@@ -881,8 +881,8 @@
         </p:nvSpPr>
         <p:spPr>
           <a:xfrm>
-            <a:off x="6543675" y="360362"/>
-            <a:ext cx="1971675" cy="5811838"/>
+            <a:off x="8724901" y="360362"/>
+            <a:ext cx="2628900" cy="5811838"/>
           </a:xfrm>
         </p:spPr>
         <p:txBody>
@@ -909,8 +909,8 @@
         </p:nvSpPr>
         <p:spPr>
           <a:xfrm>
-            <a:off x="628650" y="360363"/>
-            <a:ext cx="5800725" cy="5811837"/>
+            <a:off x="838201" y="360364"/>
+            <a:ext cx="7734300" cy="5811837"/>
           </a:xfrm>
         </p:spPr>
         <p:txBody>
@@ -1061,8 +1061,8 @@
         </p:nvSpPr>
         <p:spPr>
           <a:xfrm>
-            <a:off x="1657350" y="4464028"/>
-            <a:ext cx="6858000" cy="1194650"/>
+            <a:off x="2209800" y="4464028"/>
+            <a:ext cx="9144000" cy="1641490"/>
           </a:xfrm>
         </p:spPr>
         <p:txBody>
@@ -1071,7 +1071,7 @@
           </a:bodyPr>
           <a:lstStyle>
             <a:lvl1pPr algn="r">
-              <a:defRPr sz="7200" b="0" spc="-225">
+              <a:defRPr sz="9600" b="0" spc="-300">
                 <a:gradFill flip="none" rotWithShape="1">
                   <a:gsLst>
                     <a:gs pos="0">
@@ -1122,8 +1122,8 @@
         </p:nvSpPr>
         <p:spPr>
           <a:xfrm>
-            <a:off x="1657349" y="3829878"/>
-            <a:ext cx="6858000" cy="618523"/>
+            <a:off x="2209799" y="3694375"/>
+            <a:ext cx="9144000" cy="754025"/>
           </a:xfrm>
         </p:spPr>
         <p:txBody>
@@ -1133,7 +1133,7 @@
           <a:lstStyle>
             <a:lvl1pPr marL="0" indent="0" algn="r">
               <a:buNone/>
-              <a:defRPr sz="2400" b="0">
+              <a:defRPr sz="3200" b="0">
                 <a:gradFill flip="none" rotWithShape="1">
                   <a:gsLst>
                     <a:gs pos="15000">
@@ -1245,7 +1245,7 @@
     </p:spTree>
     <p:extLst>
       <p:ext uri="{BB962C8B-B14F-4D97-AF65-F5344CB8AC3E}">
-        <p14:creationId xmlns:p14="http://schemas.microsoft.com/office/powerpoint/2010/main" val="408583893"/>
+        <p14:creationId xmlns:p14="http://schemas.microsoft.com/office/powerpoint/2010/main" val="146612998"/>
       </p:ext>
     </p:extLst>
   </p:cSld>
@@ -1415,7 +1415,7 @@
     </p:spTree>
     <p:extLst>
       <p:ext uri="{BB962C8B-B14F-4D97-AF65-F5344CB8AC3E}">
-        <p14:creationId xmlns:p14="http://schemas.microsoft.com/office/powerpoint/2010/main" val="4211949384"/>
+        <p14:creationId xmlns:p14="http://schemas.microsoft.com/office/powerpoint/2010/main" val="2522788866"/>
       </p:ext>
     </p:extLst>
   </p:cSld>
@@ -1454,8 +1454,8 @@
         </p:nvSpPr>
         <p:spPr>
           <a:xfrm>
-            <a:off x="640899" y="4464028"/>
-            <a:ext cx="6858000" cy="1194650"/>
+            <a:off x="854532" y="4464028"/>
+            <a:ext cx="9144000" cy="1641490"/>
           </a:xfrm>
         </p:spPr>
         <p:txBody>
@@ -1464,7 +1464,7 @@
           </a:bodyPr>
           <a:lstStyle>
             <a:lvl1pPr algn="l">
-              <a:defRPr sz="7200" b="0" spc="-225">
+              <a:defRPr sz="9600" b="0" spc="-300">
                 <a:gradFill flip="none" rotWithShape="1">
                   <a:gsLst>
                     <a:gs pos="32000">
@@ -1520,8 +1520,8 @@
         </p:nvSpPr>
         <p:spPr>
           <a:xfrm>
-            <a:off x="640899" y="3829878"/>
-            <a:ext cx="6858000" cy="617822"/>
+            <a:off x="854532" y="3693674"/>
+            <a:ext cx="9144000" cy="754025"/>
           </a:xfrm>
         </p:spPr>
         <p:txBody>
@@ -1531,7 +1531,7 @@
           <a:lstStyle>
             <a:lvl1pPr marL="0" indent="0" algn="l">
               <a:buNone/>
-              <a:defRPr sz="2400" b="0">
+              <a:defRPr sz="3200" b="0">
                 <a:gradFill flip="none" rotWithShape="1">
                   <a:gsLst>
                     <a:gs pos="15000">
@@ -1562,37 +1562,37 @@
                 <a:latin typeface="+mj-lt"/>
               </a:defRPr>
             </a:lvl1pPr>
-            <a:lvl2pPr marL="342900" indent="0" algn="ctr">
-              <a:buNone/>
-              <a:defRPr sz="1500"/>
+            <a:lvl2pPr marL="457200" indent="0" algn="ctr">
+              <a:buNone/>
+              <a:defRPr sz="2000"/>
             </a:lvl2pPr>
-            <a:lvl3pPr marL="685800" indent="0" algn="ctr">
-              <a:buNone/>
-              <a:defRPr sz="1350"/>
+            <a:lvl3pPr marL="914400" indent="0" algn="ctr">
+              <a:buNone/>
+              <a:defRPr sz="1800"/>
             </a:lvl3pPr>
-            <a:lvl4pPr marL="1028700" indent="0" algn="ctr">
-              <a:buNone/>
-              <a:defRPr sz="1200"/>
+            <a:lvl4pPr marL="1371600" indent="0" algn="ctr">
+              <a:buNone/>
+              <a:defRPr sz="1600"/>
             </a:lvl4pPr>
-            <a:lvl5pPr marL="1371600" indent="0" algn="ctr">
-              <a:buNone/>
-              <a:defRPr sz="1200"/>
+            <a:lvl5pPr marL="1828800" indent="0" algn="ctr">
+              <a:buNone/>
+              <a:defRPr sz="1600"/>
             </a:lvl5pPr>
-            <a:lvl6pPr marL="1714500" indent="0" algn="ctr">
-              <a:buNone/>
-              <a:defRPr sz="1200"/>
+            <a:lvl6pPr marL="2286000" indent="0" algn="ctr">
+              <a:buNone/>
+              <a:defRPr sz="1600"/>
             </a:lvl6pPr>
-            <a:lvl7pPr marL="2057400" indent="0" algn="ctr">
-              <a:buNone/>
-              <a:defRPr sz="1200"/>
+            <a:lvl7pPr marL="2743200" indent="0" algn="ctr">
+              <a:buNone/>
+              <a:defRPr sz="1600"/>
             </a:lvl7pPr>
-            <a:lvl8pPr marL="2400300" indent="0" algn="ctr">
-              <a:buNone/>
-              <a:defRPr sz="1200"/>
+            <a:lvl8pPr marL="3200400" indent="0" algn="ctr">
+              <a:buNone/>
+              <a:defRPr sz="1600"/>
             </a:lvl8pPr>
-            <a:lvl9pPr marL="2743200" indent="0" algn="ctr">
-              <a:buNone/>
-              <a:defRPr sz="1200"/>
+            <a:lvl9pPr marL="3657600" indent="0" algn="ctr">
+              <a:buNone/>
+              <a:defRPr sz="1600"/>
             </a:lvl9pPr>
           </a:lstStyle>
           <a:p>
@@ -1672,7 +1672,7 @@
     </p:spTree>
     <p:extLst>
       <p:ext uri="{BB962C8B-B14F-4D97-AF65-F5344CB8AC3E}">
-        <p14:creationId xmlns:p14="http://schemas.microsoft.com/office/powerpoint/2010/main" val="3330435200"/>
+        <p14:creationId xmlns:p14="http://schemas.microsoft.com/office/powerpoint/2010/main" val="4134158203"/>
       </p:ext>
     </p:extLst>
   </p:cSld>
@@ -1734,8 +1734,8 @@
         </p:nvSpPr>
         <p:spPr>
           <a:xfrm>
-            <a:off x="840000" y="1825625"/>
-            <a:ext cx="3768912" cy="4351338"/>
+            <a:off x="1120000" y="1825625"/>
+            <a:ext cx="5025216" cy="4351338"/>
           </a:xfrm>
         </p:spPr>
         <p:txBody>
@@ -1791,8 +1791,8 @@
         </p:nvSpPr>
         <p:spPr>
           <a:xfrm>
-            <a:off x="4739880" y="1825625"/>
-            <a:ext cx="3775470" cy="4351338"/>
+            <a:off x="6319840" y="1825625"/>
+            <a:ext cx="5033960" cy="4351338"/>
           </a:xfrm>
         </p:spPr>
         <p:txBody>
@@ -1904,7 +1904,7 @@
     </p:spTree>
     <p:extLst>
       <p:ext uri="{BB962C8B-B14F-4D97-AF65-F5344CB8AC3E}">
-        <p14:creationId xmlns:p14="http://schemas.microsoft.com/office/powerpoint/2010/main" val="2568599226"/>
+        <p14:creationId xmlns:p14="http://schemas.microsoft.com/office/powerpoint/2010/main" val="584101704"/>
       </p:ext>
     </p:extLst>
   </p:cSld>
@@ -1943,8 +1943,8 @@
         </p:nvSpPr>
         <p:spPr>
           <a:xfrm>
-            <a:off x="629841" y="365126"/>
-            <a:ext cx="7886700" cy="1325563"/>
+            <a:off x="839788" y="365125"/>
+            <a:ext cx="10515600" cy="1325563"/>
           </a:xfrm>
         </p:spPr>
         <p:txBody>
@@ -1971,18 +1971,16 @@
         </p:nvSpPr>
         <p:spPr>
           <a:xfrm>
-            <a:off x="840000" y="1681163"/>
-            <a:ext cx="3768912" cy="823912"/>
+            <a:off x="1120000" y="1681163"/>
+            <a:ext cx="5025216" cy="823912"/>
           </a:xfrm>
         </p:spPr>
         <p:txBody>
-          <a:bodyPr anchor="b">
-            <a:normAutofit/>
-          </a:bodyPr>
+          <a:bodyPr anchor="b"/>
           <a:lstStyle>
             <a:lvl1pPr marL="0" indent="0">
               <a:buNone/>
-              <a:defRPr sz="2000" b="0">
+              <a:defRPr sz="2400" b="0">
                 <a:gradFill>
                   <a:gsLst>
                     <a:gs pos="15000">
@@ -2011,37 +2009,37 @@
                 </a:gradFill>
               </a:defRPr>
             </a:lvl1pPr>
-            <a:lvl2pPr marL="342900" indent="0">
-              <a:buNone/>
-              <a:defRPr sz="1500" b="1"/>
+            <a:lvl2pPr marL="457200" indent="0">
+              <a:buNone/>
+              <a:defRPr sz="2000" b="1"/>
             </a:lvl2pPr>
-            <a:lvl3pPr marL="685800" indent="0">
-              <a:buNone/>
-              <a:defRPr sz="1350" b="1"/>
+            <a:lvl3pPr marL="914400" indent="0">
+              <a:buNone/>
+              <a:defRPr sz="1800" b="1"/>
             </a:lvl3pPr>
-            <a:lvl4pPr marL="1028700" indent="0">
-              <a:buNone/>
-              <a:defRPr sz="1200" b="1"/>
+            <a:lvl4pPr marL="1371600" indent="0">
+              <a:buNone/>
+              <a:defRPr sz="1600" b="1"/>
             </a:lvl4pPr>
-            <a:lvl5pPr marL="1371600" indent="0">
-              <a:buNone/>
-              <a:defRPr sz="1200" b="1"/>
+            <a:lvl5pPr marL="1828800" indent="0">
+              <a:buNone/>
+              <a:defRPr sz="1600" b="1"/>
             </a:lvl5pPr>
-            <a:lvl6pPr marL="1714500" indent="0">
-              <a:buNone/>
-              <a:defRPr sz="1200" b="1"/>
+            <a:lvl6pPr marL="2286000" indent="0">
+              <a:buNone/>
+              <a:defRPr sz="1600" b="1"/>
             </a:lvl6pPr>
-            <a:lvl7pPr marL="2057400" indent="0">
-              <a:buNone/>
-              <a:defRPr sz="1200" b="1"/>
+            <a:lvl7pPr marL="2743200" indent="0">
+              <a:buNone/>
+              <a:defRPr sz="1600" b="1"/>
             </a:lvl7pPr>
-            <a:lvl8pPr marL="2400300" indent="0">
-              <a:buNone/>
-              <a:defRPr sz="1200" b="1"/>
+            <a:lvl8pPr marL="3200400" indent="0">
+              <a:buNone/>
+              <a:defRPr sz="1600" b="1"/>
             </a:lvl8pPr>
-            <a:lvl9pPr marL="2743200" indent="0">
-              <a:buNone/>
-              <a:defRPr sz="1200" b="1"/>
+            <a:lvl9pPr marL="3657600" indent="0">
+              <a:buNone/>
+              <a:defRPr sz="1600" b="1"/>
             </a:lvl9pPr>
           </a:lstStyle>
           <a:p>
@@ -2065,8 +2063,8 @@
         </p:nvSpPr>
         <p:spPr>
           <a:xfrm>
-            <a:off x="840000" y="2505075"/>
-            <a:ext cx="3768912" cy="3684588"/>
+            <a:off x="1120000" y="2505075"/>
+            <a:ext cx="5025216" cy="3684588"/>
           </a:xfrm>
         </p:spPr>
         <p:txBody>
@@ -2122,8 +2120,8 @@
         </p:nvSpPr>
         <p:spPr>
           <a:xfrm>
-            <a:off x="4739880" y="1681163"/>
-            <a:ext cx="3776661" cy="823912"/>
+            <a:off x="6319840" y="1681163"/>
+            <a:ext cx="5035548" cy="823912"/>
           </a:xfrm>
         </p:spPr>
         <p:txBody>
@@ -2133,7 +2131,7 @@
           <a:lstStyle>
             <a:lvl1pPr>
               <a:buNone/>
-              <a:defRPr lang="en-US" sz="2000" b="0">
+              <a:defRPr lang="en-US" sz="2400" b="0">
                 <a:gradFill>
                   <a:gsLst>
                     <a:gs pos="15000">
@@ -2186,8 +2184,8 @@
         </p:nvSpPr>
         <p:spPr>
           <a:xfrm>
-            <a:off x="4739880" y="2505075"/>
-            <a:ext cx="3776661" cy="3684588"/>
+            <a:off x="6319840" y="2505075"/>
+            <a:ext cx="5035548" cy="3684588"/>
           </a:xfrm>
         </p:spPr>
         <p:txBody>
@@ -2299,7 +2297,7 @@
     </p:spTree>
     <p:extLst>
       <p:ext uri="{BB962C8B-B14F-4D97-AF65-F5344CB8AC3E}">
-        <p14:creationId xmlns:p14="http://schemas.microsoft.com/office/powerpoint/2010/main" val="579384497"/>
+        <p14:creationId xmlns:p14="http://schemas.microsoft.com/office/powerpoint/2010/main" val="4264119396"/>
       </p:ext>
     </p:extLst>
   </p:cSld>
@@ -2417,7 +2415,7 @@
     </p:spTree>
     <p:extLst>
       <p:ext uri="{BB962C8B-B14F-4D97-AF65-F5344CB8AC3E}">
-        <p14:creationId xmlns:p14="http://schemas.microsoft.com/office/powerpoint/2010/main" val="9381309"/>
+        <p14:creationId xmlns:p14="http://schemas.microsoft.com/office/powerpoint/2010/main" val="3700858878"/>
       </p:ext>
     </p:extLst>
   </p:cSld>
@@ -2512,7 +2510,7 @@
     </p:spTree>
     <p:extLst>
       <p:ext uri="{BB962C8B-B14F-4D97-AF65-F5344CB8AC3E}">
-        <p14:creationId xmlns:p14="http://schemas.microsoft.com/office/powerpoint/2010/main" val="812340951"/>
+        <p14:creationId xmlns:p14="http://schemas.microsoft.com/office/powerpoint/2010/main" val="16661192"/>
       </p:ext>
     </p:extLst>
   </p:cSld>
@@ -2551,15 +2549,15 @@
         </p:nvSpPr>
         <p:spPr>
           <a:xfrm>
-            <a:off x="629841" y="457200"/>
-            <a:ext cx="2949178" cy="1600200"/>
+            <a:off x="839788" y="457200"/>
+            <a:ext cx="3932237" cy="1600200"/>
           </a:xfrm>
         </p:spPr>
         <p:txBody>
           <a:bodyPr anchor="b"/>
           <a:lstStyle>
             <a:lvl1pPr>
-              <a:defRPr sz="2400"/>
+              <a:defRPr sz="3200"/>
             </a:lvl1pPr>
           </a:lstStyle>
           <a:p>
@@ -2583,8 +2581,8 @@
         </p:nvSpPr>
         <p:spPr>
           <a:xfrm>
-            <a:off x="3887391" y="987426"/>
-            <a:ext cx="4629150" cy="4873625"/>
+            <a:off x="5183188" y="987425"/>
+            <a:ext cx="6172200" cy="4873625"/>
           </a:xfrm>
         </p:spPr>
         <p:txBody>
@@ -2640,18 +2638,16 @@
         </p:nvSpPr>
         <p:spPr>
           <a:xfrm>
-            <a:off x="840000" y="2057400"/>
-            <a:ext cx="2739019" cy="3811588"/>
+            <a:off x="1120000" y="2057400"/>
+            <a:ext cx="3652025" cy="3811588"/>
           </a:xfrm>
         </p:spPr>
         <p:txBody>
-          <a:bodyPr>
-            <a:normAutofit/>
-          </a:bodyPr>
+          <a:bodyPr/>
           <a:lstStyle>
             <a:lvl1pPr marL="0" indent="0">
               <a:buNone/>
-              <a:defRPr sz="1400">
+              <a:defRPr sz="1600">
                 <a:gradFill>
                   <a:gsLst>
                     <a:gs pos="15000">
@@ -2677,37 +2673,37 @@
                 </a:gradFill>
               </a:defRPr>
             </a:lvl1pPr>
-            <a:lvl2pPr marL="342900" indent="0">
-              <a:buNone/>
-              <a:defRPr sz="1050"/>
+            <a:lvl2pPr marL="457200" indent="0">
+              <a:buNone/>
+              <a:defRPr sz="1400"/>
             </a:lvl2pPr>
-            <a:lvl3pPr marL="685800" indent="0">
-              <a:buNone/>
-              <a:defRPr sz="900"/>
+            <a:lvl3pPr marL="914400" indent="0">
+              <a:buNone/>
+              <a:defRPr sz="1200"/>
             </a:lvl3pPr>
-            <a:lvl4pPr marL="1028700" indent="0">
-              <a:buNone/>
-              <a:defRPr sz="750"/>
+            <a:lvl4pPr marL="1371600" indent="0">
+              <a:buNone/>
+              <a:defRPr sz="1000"/>
             </a:lvl4pPr>
-            <a:lvl5pPr marL="1371600" indent="0">
-              <a:buNone/>
-              <a:defRPr sz="750"/>
+            <a:lvl5pPr marL="1828800" indent="0">
+              <a:buNone/>
+              <a:defRPr sz="1000"/>
             </a:lvl5pPr>
-            <a:lvl6pPr marL="1714500" indent="0">
-              <a:buNone/>
-              <a:defRPr sz="750"/>
+            <a:lvl6pPr marL="2286000" indent="0">
+              <a:buNone/>
+              <a:defRPr sz="1000"/>
             </a:lvl6pPr>
-            <a:lvl7pPr marL="2057400" indent="0">
-              <a:buNone/>
-              <a:defRPr sz="750"/>
+            <a:lvl7pPr marL="2743200" indent="0">
+              <a:buNone/>
+              <a:defRPr sz="1000"/>
             </a:lvl7pPr>
-            <a:lvl8pPr marL="2400300" indent="0">
-              <a:buNone/>
-              <a:defRPr sz="750"/>
+            <a:lvl8pPr marL="3200400" indent="0">
+              <a:buNone/>
+              <a:defRPr sz="1000"/>
             </a:lvl8pPr>
-            <a:lvl9pPr marL="2743200" indent="0">
-              <a:buNone/>
-              <a:defRPr sz="750"/>
+            <a:lvl9pPr marL="3657600" indent="0">
+              <a:buNone/>
+              <a:defRPr sz="1000"/>
             </a:lvl9pPr>
           </a:lstStyle>
           <a:p>
@@ -2787,7 +2783,7 @@
     </p:spTree>
     <p:extLst>
       <p:ext uri="{BB962C8B-B14F-4D97-AF65-F5344CB8AC3E}">
-        <p14:creationId xmlns:p14="http://schemas.microsoft.com/office/powerpoint/2010/main" val="1247661519"/>
+        <p14:creationId xmlns:p14="http://schemas.microsoft.com/office/powerpoint/2010/main" val="3432980933"/>
       </p:ext>
     </p:extLst>
   </p:cSld>
@@ -2996,15 +2992,15 @@
         </p:nvSpPr>
         <p:spPr>
           <a:xfrm>
-            <a:off x="629841" y="457200"/>
-            <a:ext cx="2949178" cy="1600200"/>
+            <a:off x="839788" y="457200"/>
+            <a:ext cx="3932237" cy="1600200"/>
           </a:xfrm>
         </p:spPr>
         <p:txBody>
           <a:bodyPr anchor="b"/>
           <a:lstStyle>
             <a:lvl1pPr>
-              <a:defRPr sz="2400"/>
+              <a:defRPr sz="3200"/>
             </a:lvl1pPr>
           </a:lstStyle>
           <a:p>
@@ -3028,8 +3024,8 @@
         </p:nvSpPr>
         <p:spPr>
           <a:xfrm>
-            <a:off x="3887391" y="987426"/>
-            <a:ext cx="4629150" cy="4873625"/>
+            <a:off x="5183188" y="987425"/>
+            <a:ext cx="6172200" cy="4873625"/>
           </a:xfrm>
         </p:spPr>
         <p:txBody>
@@ -3037,39 +3033,39 @@
           <a:lstStyle>
             <a:lvl1pPr marL="0" indent="0">
               <a:buNone/>
+              <a:defRPr sz="3200"/>
+            </a:lvl1pPr>
+            <a:lvl2pPr marL="457200" indent="0">
+              <a:buNone/>
+              <a:defRPr sz="2800"/>
+            </a:lvl2pPr>
+            <a:lvl3pPr marL="914400" indent="0">
+              <a:buNone/>
               <a:defRPr sz="2400"/>
-            </a:lvl1pPr>
-            <a:lvl2pPr marL="342900" indent="0">
-              <a:buNone/>
-              <a:defRPr sz="2100"/>
-            </a:lvl2pPr>
-            <a:lvl3pPr marL="685800" indent="0">
-              <a:buNone/>
-              <a:defRPr sz="1800"/>
             </a:lvl3pPr>
-            <a:lvl4pPr marL="1028700" indent="0">
-              <a:buNone/>
-              <a:defRPr sz="1500"/>
+            <a:lvl4pPr marL="1371600" indent="0">
+              <a:buNone/>
+              <a:defRPr sz="2000"/>
             </a:lvl4pPr>
-            <a:lvl5pPr marL="1371600" indent="0">
-              <a:buNone/>
-              <a:defRPr sz="1500"/>
+            <a:lvl5pPr marL="1828800" indent="0">
+              <a:buNone/>
+              <a:defRPr sz="2000"/>
             </a:lvl5pPr>
-            <a:lvl6pPr marL="1714500" indent="0">
-              <a:buNone/>
-              <a:defRPr sz="1500"/>
+            <a:lvl6pPr marL="2286000" indent="0">
+              <a:buNone/>
+              <a:defRPr sz="2000"/>
             </a:lvl6pPr>
-            <a:lvl7pPr marL="2057400" indent="0">
-              <a:buNone/>
-              <a:defRPr sz="1500"/>
+            <a:lvl7pPr marL="2743200" indent="0">
+              <a:buNone/>
+              <a:defRPr sz="2000"/>
             </a:lvl7pPr>
-            <a:lvl8pPr marL="2400300" indent="0">
-              <a:buNone/>
-              <a:defRPr sz="1500"/>
+            <a:lvl8pPr marL="3200400" indent="0">
+              <a:buNone/>
+              <a:defRPr sz="2000"/>
             </a:lvl8pPr>
-            <a:lvl9pPr marL="2743200" indent="0">
-              <a:buNone/>
-              <a:defRPr sz="1500"/>
+            <a:lvl9pPr marL="3657600" indent="0">
+              <a:buNone/>
+              <a:defRPr sz="2000"/>
             </a:lvl9pPr>
           </a:lstStyle>
           <a:p>
@@ -3093,18 +3089,16 @@
         </p:nvSpPr>
         <p:spPr>
           <a:xfrm>
-            <a:off x="840000" y="2057400"/>
-            <a:ext cx="2739019" cy="3811588"/>
+            <a:off x="1120000" y="2057400"/>
+            <a:ext cx="3652025" cy="3811588"/>
           </a:xfrm>
         </p:spPr>
         <p:txBody>
-          <a:bodyPr>
-            <a:normAutofit/>
-          </a:bodyPr>
+          <a:bodyPr/>
           <a:lstStyle>
             <a:lvl1pPr marL="0" indent="0">
               <a:buNone/>
-              <a:defRPr sz="1400">
+              <a:defRPr sz="1600">
                 <a:gradFill>
                   <a:gsLst>
                     <a:gs pos="15000">
@@ -3130,37 +3124,37 @@
                 </a:gradFill>
               </a:defRPr>
             </a:lvl1pPr>
-            <a:lvl2pPr marL="342900" indent="0">
-              <a:buNone/>
-              <a:defRPr sz="1050"/>
+            <a:lvl2pPr marL="457200" indent="0">
+              <a:buNone/>
+              <a:defRPr sz="1400"/>
             </a:lvl2pPr>
-            <a:lvl3pPr marL="685800" indent="0">
-              <a:buNone/>
-              <a:defRPr sz="900"/>
+            <a:lvl3pPr marL="914400" indent="0">
+              <a:buNone/>
+              <a:defRPr sz="1200"/>
             </a:lvl3pPr>
-            <a:lvl4pPr marL="1028700" indent="0">
-              <a:buNone/>
-              <a:defRPr sz="750"/>
+            <a:lvl4pPr marL="1371600" indent="0">
+              <a:buNone/>
+              <a:defRPr sz="1000"/>
             </a:lvl4pPr>
-            <a:lvl5pPr marL="1371600" indent="0">
-              <a:buNone/>
-              <a:defRPr sz="750"/>
+            <a:lvl5pPr marL="1828800" indent="0">
+              <a:buNone/>
+              <a:defRPr sz="1000"/>
             </a:lvl5pPr>
-            <a:lvl6pPr marL="1714500" indent="0">
-              <a:buNone/>
-              <a:defRPr sz="750"/>
+            <a:lvl6pPr marL="2286000" indent="0">
+              <a:buNone/>
+              <a:defRPr sz="1000"/>
             </a:lvl6pPr>
-            <a:lvl7pPr marL="2057400" indent="0">
-              <a:buNone/>
-              <a:defRPr sz="750"/>
+            <a:lvl7pPr marL="2743200" indent="0">
+              <a:buNone/>
+              <a:defRPr sz="1000"/>
             </a:lvl7pPr>
-            <a:lvl8pPr marL="2400300" indent="0">
-              <a:buNone/>
-              <a:defRPr sz="750"/>
+            <a:lvl8pPr marL="3200400" indent="0">
+              <a:buNone/>
+              <a:defRPr sz="1000"/>
             </a:lvl8pPr>
-            <a:lvl9pPr marL="2743200" indent="0">
-              <a:buNone/>
-              <a:defRPr sz="750"/>
+            <a:lvl9pPr marL="3657600" indent="0">
+              <a:buNone/>
+              <a:defRPr sz="1000"/>
             </a:lvl9pPr>
           </a:lstStyle>
           <a:p>
@@ -3240,7 +3234,7 @@
     </p:spTree>
     <p:extLst>
       <p:ext uri="{BB962C8B-B14F-4D97-AF65-F5344CB8AC3E}">
-        <p14:creationId xmlns:p14="http://schemas.microsoft.com/office/powerpoint/2010/main" val="3735652314"/>
+        <p14:creationId xmlns:p14="http://schemas.microsoft.com/office/powerpoint/2010/main" val="2099196928"/>
       </p:ext>
     </p:extLst>
   </p:cSld>
@@ -3279,15 +3273,15 @@
         </p:nvSpPr>
         <p:spPr>
           <a:xfrm>
-            <a:off x="629841" y="4367161"/>
-            <a:ext cx="7886700" cy="819355"/>
+            <a:off x="839788" y="4367160"/>
+            <a:ext cx="10515600" cy="819355"/>
           </a:xfrm>
         </p:spPr>
         <p:txBody>
           <a:bodyPr anchor="b"/>
           <a:lstStyle>
             <a:lvl1pPr>
-              <a:defRPr sz="2400"/>
+              <a:defRPr sz="3200"/>
             </a:lvl1pPr>
           </a:lstStyle>
           <a:p>
@@ -3311,8 +3305,8 @@
         </p:nvSpPr>
         <p:spPr>
           <a:xfrm>
-            <a:off x="629841" y="987426"/>
-            <a:ext cx="7886700" cy="3379735"/>
+            <a:off x="839788" y="987425"/>
+            <a:ext cx="10515600" cy="3379735"/>
           </a:xfrm>
         </p:spPr>
         <p:txBody>
@@ -3320,39 +3314,39 @@
           <a:lstStyle>
             <a:lvl1pPr marL="0" indent="0">
               <a:buNone/>
+              <a:defRPr sz="3200"/>
+            </a:lvl1pPr>
+            <a:lvl2pPr marL="457200" indent="0">
+              <a:buNone/>
+              <a:defRPr sz="2800"/>
+            </a:lvl2pPr>
+            <a:lvl3pPr marL="914400" indent="0">
+              <a:buNone/>
               <a:defRPr sz="2400"/>
-            </a:lvl1pPr>
-            <a:lvl2pPr marL="342900" indent="0">
-              <a:buNone/>
-              <a:defRPr sz="2100"/>
-            </a:lvl2pPr>
-            <a:lvl3pPr marL="685800" indent="0">
-              <a:buNone/>
-              <a:defRPr sz="1800"/>
             </a:lvl3pPr>
-            <a:lvl4pPr marL="1028700" indent="0">
-              <a:buNone/>
-              <a:defRPr sz="1500"/>
+            <a:lvl4pPr marL="1371600" indent="0">
+              <a:buNone/>
+              <a:defRPr sz="2000"/>
             </a:lvl4pPr>
-            <a:lvl5pPr marL="1371600" indent="0">
-              <a:buNone/>
-              <a:defRPr sz="1500"/>
+            <a:lvl5pPr marL="1828800" indent="0">
+              <a:buNone/>
+              <a:defRPr sz="2000"/>
             </a:lvl5pPr>
-            <a:lvl6pPr marL="1714500" indent="0">
-              <a:buNone/>
-              <a:defRPr sz="1500"/>
+            <a:lvl6pPr marL="2286000" indent="0">
+              <a:buNone/>
+              <a:defRPr sz="2000"/>
             </a:lvl6pPr>
-            <a:lvl7pPr marL="2057400" indent="0">
-              <a:buNone/>
-              <a:defRPr sz="1500"/>
+            <a:lvl7pPr marL="2743200" indent="0">
+              <a:buNone/>
+              <a:defRPr sz="2000"/>
             </a:lvl7pPr>
-            <a:lvl8pPr marL="2400300" indent="0">
-              <a:buNone/>
-              <a:defRPr sz="1500"/>
+            <a:lvl8pPr marL="3200400" indent="0">
+              <a:buNone/>
+              <a:defRPr sz="2000"/>
             </a:lvl8pPr>
-            <a:lvl9pPr marL="2743200" indent="0">
-              <a:buNone/>
-              <a:defRPr sz="1500"/>
+            <a:lvl9pPr marL="3657600" indent="0">
+              <a:buNone/>
+              <a:defRPr sz="2000"/>
             </a:lvl9pPr>
           </a:lstStyle>
           <a:p>
@@ -3376,8 +3370,8 @@
         </p:nvSpPr>
         <p:spPr>
           <a:xfrm>
-            <a:off x="629841" y="5186516"/>
-            <a:ext cx="7885509" cy="682472"/>
+            <a:off x="839788" y="5186516"/>
+            <a:ext cx="10514012" cy="682472"/>
           </a:xfrm>
         </p:spPr>
         <p:txBody>
@@ -3385,7 +3379,7 @@
           <a:lstStyle>
             <a:lvl1pPr marL="0" indent="0">
               <a:buNone/>
-              <a:defRPr sz="1200">
+              <a:defRPr sz="1600">
                 <a:gradFill>
                   <a:gsLst>
                     <a:gs pos="15000">
@@ -3411,37 +3405,37 @@
                 </a:gradFill>
               </a:defRPr>
             </a:lvl1pPr>
-            <a:lvl2pPr marL="342900" indent="0">
-              <a:buNone/>
-              <a:defRPr sz="1050"/>
+            <a:lvl2pPr marL="457200" indent="0">
+              <a:buNone/>
+              <a:defRPr sz="1400"/>
             </a:lvl2pPr>
-            <a:lvl3pPr marL="685800" indent="0">
-              <a:buNone/>
-              <a:defRPr sz="900"/>
+            <a:lvl3pPr marL="914400" indent="0">
+              <a:buNone/>
+              <a:defRPr sz="1200"/>
             </a:lvl3pPr>
-            <a:lvl4pPr marL="1028700" indent="0">
-              <a:buNone/>
-              <a:defRPr sz="750"/>
+            <a:lvl4pPr marL="1371600" indent="0">
+              <a:buNone/>
+              <a:defRPr sz="1000"/>
             </a:lvl4pPr>
-            <a:lvl5pPr marL="1371600" indent="0">
-              <a:buNone/>
-              <a:defRPr sz="750"/>
+            <a:lvl5pPr marL="1828800" indent="0">
+              <a:buNone/>
+              <a:defRPr sz="1000"/>
             </a:lvl5pPr>
-            <a:lvl6pPr marL="1714500" indent="0">
-              <a:buNone/>
-              <a:defRPr sz="750"/>
+            <a:lvl6pPr marL="2286000" indent="0">
+              <a:buNone/>
+              <a:defRPr sz="1000"/>
             </a:lvl6pPr>
-            <a:lvl7pPr marL="2057400" indent="0">
-              <a:buNone/>
-              <a:defRPr sz="750"/>
+            <a:lvl7pPr marL="2743200" indent="0">
+              <a:buNone/>
+              <a:defRPr sz="1000"/>
             </a:lvl7pPr>
-            <a:lvl8pPr marL="2400300" indent="0">
-              <a:buNone/>
-              <a:defRPr sz="750"/>
+            <a:lvl8pPr marL="3200400" indent="0">
+              <a:buNone/>
+              <a:defRPr sz="1000"/>
             </a:lvl8pPr>
-            <a:lvl9pPr marL="2743200" indent="0">
-              <a:buNone/>
-              <a:defRPr sz="750"/>
+            <a:lvl9pPr marL="3657600" indent="0">
+              <a:buNone/>
+              <a:defRPr sz="1000"/>
             </a:lvl9pPr>
           </a:lstStyle>
           <a:p>
@@ -3521,7 +3515,7 @@
     </p:spTree>
     <p:extLst>
       <p:ext uri="{BB962C8B-B14F-4D97-AF65-F5344CB8AC3E}">
-        <p14:creationId xmlns:p14="http://schemas.microsoft.com/office/powerpoint/2010/main" val="506619550"/>
+        <p14:creationId xmlns:p14="http://schemas.microsoft.com/office/powerpoint/2010/main" val="3963748228"/>
       </p:ext>
     </p:extLst>
   </p:cSld>
@@ -3560,15 +3554,15 @@
         </p:nvSpPr>
         <p:spPr>
           <a:xfrm>
-            <a:off x="629841" y="365125"/>
-            <a:ext cx="7886700" cy="3534344"/>
+            <a:off x="839788" y="365125"/>
+            <a:ext cx="10515600" cy="3534344"/>
           </a:xfrm>
         </p:spPr>
         <p:txBody>
           <a:bodyPr anchor="ctr"/>
           <a:lstStyle>
             <a:lvl1pPr>
-              <a:defRPr sz="2400"/>
+              <a:defRPr sz="3200"/>
             </a:lvl1pPr>
           </a:lstStyle>
           <a:p>
@@ -3592,8 +3586,8 @@
         </p:nvSpPr>
         <p:spPr>
           <a:xfrm>
-            <a:off x="629841" y="4489399"/>
-            <a:ext cx="7885509" cy="1501826"/>
+            <a:off x="839788" y="4489399"/>
+            <a:ext cx="10514012" cy="1501826"/>
           </a:xfrm>
         </p:spPr>
         <p:txBody>
@@ -3601,39 +3595,39 @@
           <a:lstStyle>
             <a:lvl1pPr marL="0" indent="0">
               <a:buNone/>
+              <a:defRPr sz="1600"/>
+            </a:lvl1pPr>
+            <a:lvl2pPr marL="457200" indent="0">
+              <a:buNone/>
+              <a:defRPr sz="1400"/>
+            </a:lvl2pPr>
+            <a:lvl3pPr marL="914400" indent="0">
+              <a:buNone/>
               <a:defRPr sz="1200"/>
-            </a:lvl1pPr>
-            <a:lvl2pPr marL="342900" indent="0">
-              <a:buNone/>
-              <a:defRPr sz="1050"/>
-            </a:lvl2pPr>
-            <a:lvl3pPr marL="685800" indent="0">
-              <a:buNone/>
-              <a:defRPr sz="900"/>
             </a:lvl3pPr>
-            <a:lvl4pPr marL="1028700" indent="0">
-              <a:buNone/>
-              <a:defRPr sz="750"/>
+            <a:lvl4pPr marL="1371600" indent="0">
+              <a:buNone/>
+              <a:defRPr sz="1000"/>
             </a:lvl4pPr>
-            <a:lvl5pPr marL="1371600" indent="0">
-              <a:buNone/>
-              <a:defRPr sz="750"/>
+            <a:lvl5pPr marL="1828800" indent="0">
+              <a:buNone/>
+              <a:defRPr sz="1000"/>
             </a:lvl5pPr>
-            <a:lvl6pPr marL="1714500" indent="0">
-              <a:buNone/>
-              <a:defRPr sz="750"/>
+            <a:lvl6pPr marL="2286000" indent="0">
+              <a:buNone/>
+              <a:defRPr sz="1000"/>
             </a:lvl6pPr>
-            <a:lvl7pPr marL="2057400" indent="0">
-              <a:buNone/>
-              <a:defRPr sz="750"/>
+            <a:lvl7pPr marL="2743200" indent="0">
+              <a:buNone/>
+              <a:defRPr sz="1000"/>
             </a:lvl7pPr>
-            <a:lvl8pPr marL="2400300" indent="0">
-              <a:buNone/>
-              <a:defRPr sz="750"/>
+            <a:lvl8pPr marL="3200400" indent="0">
+              <a:buNone/>
+              <a:defRPr sz="1000"/>
             </a:lvl8pPr>
-            <a:lvl9pPr marL="2743200" indent="0">
-              <a:buNone/>
-              <a:defRPr sz="750"/>
+            <a:lvl9pPr marL="3657600" indent="0">
+              <a:buNone/>
+              <a:defRPr sz="1000"/>
             </a:lvl9pPr>
           </a:lstStyle>
           <a:p>
@@ -3713,7 +3707,7 @@
     </p:spTree>
     <p:extLst>
       <p:ext uri="{BB962C8B-B14F-4D97-AF65-F5344CB8AC3E}">
-        <p14:creationId xmlns:p14="http://schemas.microsoft.com/office/powerpoint/2010/main" val="2446127559"/>
+        <p14:creationId xmlns:p14="http://schemas.microsoft.com/office/powerpoint/2010/main" val="2056283677"/>
       </p:ext>
     </p:extLst>
   </p:cSld>
@@ -3752,15 +3746,15 @@
         </p:nvSpPr>
         <p:spPr>
           <a:xfrm>
-            <a:off x="1084659" y="365125"/>
-            <a:ext cx="6977064" cy="2992904"/>
+            <a:off x="1446212" y="365125"/>
+            <a:ext cx="9302752" cy="2992904"/>
           </a:xfrm>
         </p:spPr>
         <p:txBody>
           <a:bodyPr anchor="ctr"/>
           <a:lstStyle>
             <a:lvl1pPr>
-              <a:defRPr sz="3300"/>
+              <a:defRPr sz="4400"/>
             </a:lvl1pPr>
           </a:lstStyle>
           <a:p>
@@ -3784,8 +3778,8 @@
         </p:nvSpPr>
         <p:spPr>
           <a:xfrm>
-            <a:off x="1290484" y="3365557"/>
-            <a:ext cx="6564224" cy="548968"/>
+            <a:off x="1720644" y="3365557"/>
+            <a:ext cx="8752299" cy="548968"/>
           </a:xfrm>
         </p:spPr>
         <p:txBody>
@@ -3795,39 +3789,39 @@
           <a:lstStyle>
             <a:lvl1pPr marL="0" indent="0">
               <a:buNone/>
-              <a:defRPr sz="1050"/>
+              <a:defRPr sz="1400"/>
             </a:lvl1pPr>
-            <a:lvl2pPr marL="342900" indent="0">
-              <a:buNone/>
-              <a:defRPr sz="1050"/>
+            <a:lvl2pPr marL="457200" indent="0">
+              <a:buNone/>
+              <a:defRPr sz="1400"/>
             </a:lvl2pPr>
-            <a:lvl3pPr marL="685800" indent="0">
-              <a:buNone/>
-              <a:defRPr sz="900"/>
+            <a:lvl3pPr marL="914400" indent="0">
+              <a:buNone/>
+              <a:defRPr sz="1200"/>
             </a:lvl3pPr>
-            <a:lvl4pPr marL="1028700" indent="0">
-              <a:buNone/>
-              <a:defRPr sz="750"/>
+            <a:lvl4pPr marL="1371600" indent="0">
+              <a:buNone/>
+              <a:defRPr sz="1000"/>
             </a:lvl4pPr>
-            <a:lvl5pPr marL="1371600" indent="0">
-              <a:buNone/>
-              <a:defRPr sz="750"/>
+            <a:lvl5pPr marL="1828800" indent="0">
+              <a:buNone/>
+              <a:defRPr sz="1000"/>
             </a:lvl5pPr>
-            <a:lvl6pPr marL="1714500" indent="0">
-              <a:buNone/>
-              <a:defRPr sz="750"/>
+            <a:lvl6pPr marL="2286000" indent="0">
+              <a:buNone/>
+              <a:defRPr sz="1000"/>
             </a:lvl6pPr>
-            <a:lvl7pPr marL="2057400" indent="0">
-              <a:buNone/>
-              <a:defRPr sz="750"/>
+            <a:lvl7pPr marL="2743200" indent="0">
+              <a:buNone/>
+              <a:defRPr sz="1000"/>
             </a:lvl7pPr>
-            <a:lvl8pPr marL="2400300" indent="0">
-              <a:buNone/>
-              <a:defRPr sz="750"/>
+            <a:lvl8pPr marL="3200400" indent="0">
+              <a:buNone/>
+              <a:defRPr sz="1000"/>
             </a:lvl8pPr>
-            <a:lvl9pPr marL="2743200" indent="0">
-              <a:buNone/>
-              <a:defRPr sz="750"/>
+            <a:lvl9pPr marL="3657600" indent="0">
+              <a:buNone/>
+              <a:defRPr sz="1000"/>
             </a:lvl9pPr>
           </a:lstStyle>
           <a:p>
@@ -3851,8 +3845,8 @@
         </p:nvSpPr>
         <p:spPr>
           <a:xfrm>
-            <a:off x="628650" y="4501729"/>
-            <a:ext cx="7884318" cy="1489496"/>
+            <a:off x="838200" y="4501729"/>
+            <a:ext cx="10512424" cy="1489496"/>
           </a:xfrm>
         </p:spPr>
         <p:txBody>
@@ -3862,39 +3856,39 @@
           <a:lstStyle>
             <a:lvl1pPr marL="0" indent="0">
               <a:buNone/>
+              <a:defRPr sz="1600"/>
+            </a:lvl1pPr>
+            <a:lvl2pPr marL="457200" indent="0">
+              <a:buNone/>
+              <a:defRPr sz="1400"/>
+            </a:lvl2pPr>
+            <a:lvl3pPr marL="914400" indent="0">
+              <a:buNone/>
               <a:defRPr sz="1200"/>
-            </a:lvl1pPr>
-            <a:lvl2pPr marL="342900" indent="0">
-              <a:buNone/>
-              <a:defRPr sz="1050"/>
-            </a:lvl2pPr>
-            <a:lvl3pPr marL="685800" indent="0">
-              <a:buNone/>
-              <a:defRPr sz="900"/>
             </a:lvl3pPr>
-            <a:lvl4pPr marL="1028700" indent="0">
-              <a:buNone/>
-              <a:defRPr sz="750"/>
+            <a:lvl4pPr marL="1371600" indent="0">
+              <a:buNone/>
+              <a:defRPr sz="1000"/>
             </a:lvl4pPr>
-            <a:lvl5pPr marL="1371600" indent="0">
-              <a:buNone/>
-              <a:defRPr sz="750"/>
+            <a:lvl5pPr marL="1828800" indent="0">
+              <a:buNone/>
+              <a:defRPr sz="1000"/>
             </a:lvl5pPr>
-            <a:lvl6pPr marL="1714500" indent="0">
-              <a:buNone/>
-              <a:defRPr sz="750"/>
+            <a:lvl6pPr marL="2286000" indent="0">
+              <a:buNone/>
+              <a:defRPr sz="1000"/>
             </a:lvl6pPr>
-            <a:lvl7pPr marL="2057400" indent="0">
-              <a:buNone/>
-              <a:defRPr sz="750"/>
+            <a:lvl7pPr marL="2743200" indent="0">
+              <a:buNone/>
+              <a:defRPr sz="1000"/>
             </a:lvl7pPr>
-            <a:lvl8pPr marL="2400300" indent="0">
-              <a:buNone/>
-              <a:defRPr sz="750"/>
+            <a:lvl8pPr marL="3200400" indent="0">
+              <a:buNone/>
+              <a:defRPr sz="1000"/>
             </a:lvl8pPr>
-            <a:lvl9pPr marL="2743200" indent="0">
-              <a:buNone/>
-              <a:defRPr sz="750"/>
+            <a:lvl9pPr marL="3657600" indent="0">
+              <a:buNone/>
+              <a:defRPr sz="1000"/>
             </a:lvl9pPr>
           </a:lstStyle>
           <a:p>
@@ -3979,15 +3973,15 @@
         </p:nvSpPr>
         <p:spPr>
           <a:xfrm>
-            <a:off x="833283" y="786824"/>
-            <a:ext cx="457200" cy="584776"/>
+            <a:off x="1111044" y="786824"/>
+            <a:ext cx="609600" cy="584776"/>
           </a:xfrm>
           <a:prstGeom prst="rect">
             <a:avLst/>
           </a:prstGeom>
         </p:spPr>
         <p:txBody>
-          <a:bodyPr vert="horz" lIns="68580" tIns="34290" rIns="68580" bIns="34290" rtlCol="0" anchor="ctr">
+          <a:bodyPr vert="horz" lIns="91440" tIns="45720" rIns="91440" bIns="45720" rtlCol="0" anchor="ctr">
             <a:noAutofit/>
           </a:bodyPr>
           <a:lstStyle>
@@ -4076,7 +4070,7 @@
           <a:p>
             <a:pPr lvl="0"/>
             <a:r>
-              <a:rPr lang="en-US" sz="6000" dirty="0">
+              <a:rPr lang="en-US" sz="8000" dirty="0">
                 <a:solidFill>
                   <a:schemeClr val="tx1"/>
                 </a:solidFill>
@@ -4095,15 +4089,15 @@
         </p:nvSpPr>
         <p:spPr>
           <a:xfrm>
-            <a:off x="7828359" y="2743200"/>
-            <a:ext cx="457200" cy="584776"/>
+            <a:off x="10437812" y="2743200"/>
+            <a:ext cx="609600" cy="584776"/>
           </a:xfrm>
           <a:prstGeom prst="rect">
             <a:avLst/>
           </a:prstGeom>
         </p:spPr>
         <p:txBody>
-          <a:bodyPr vert="horz" lIns="68580" tIns="34290" rIns="68580" bIns="34290" rtlCol="0" anchor="ctr">
+          <a:bodyPr vert="horz" lIns="91440" tIns="45720" rIns="91440" bIns="45720" rtlCol="0" anchor="ctr">
             <a:noAutofit/>
           </a:bodyPr>
           <a:lstStyle>
@@ -4192,7 +4186,7 @@
           <a:p>
             <a:pPr lvl="0" algn="r"/>
             <a:r>
-              <a:rPr lang="en-US" sz="6000" dirty="0">
+              <a:rPr lang="en-US" sz="8000" dirty="0">
                 <a:solidFill>
                   <a:schemeClr val="tx1"/>
                 </a:solidFill>
@@ -4206,7 +4200,7 @@
     </p:spTree>
     <p:extLst>
       <p:ext uri="{BB962C8B-B14F-4D97-AF65-F5344CB8AC3E}">
-        <p14:creationId xmlns:p14="http://schemas.microsoft.com/office/powerpoint/2010/main" val="872300574"/>
+        <p14:creationId xmlns:p14="http://schemas.microsoft.com/office/powerpoint/2010/main" val="526028488"/>
       </p:ext>
     </p:extLst>
   </p:cSld>
@@ -4245,8 +4239,8 @@
         </p:nvSpPr>
         <p:spPr>
           <a:xfrm>
-            <a:off x="629841" y="2326968"/>
-            <a:ext cx="7886700" cy="2511835"/>
+            <a:off x="839788" y="2326967"/>
+            <a:ext cx="10515600" cy="2511835"/>
           </a:xfrm>
         </p:spPr>
         <p:txBody>
@@ -4255,7 +4249,7 @@
           </a:bodyPr>
           <a:lstStyle>
             <a:lvl1pPr>
-              <a:defRPr sz="4050"/>
+              <a:defRPr sz="5400"/>
             </a:lvl1pPr>
           </a:lstStyle>
           <a:p>
@@ -4279,8 +4273,8 @@
         </p:nvSpPr>
         <p:spPr>
           <a:xfrm>
-            <a:off x="629841" y="4850581"/>
-            <a:ext cx="7885509" cy="1140644"/>
+            <a:off x="839788" y="4850581"/>
+            <a:ext cx="10514012" cy="1140644"/>
           </a:xfrm>
         </p:spPr>
         <p:txBody>
@@ -4288,39 +4282,39 @@
           <a:lstStyle>
             <a:lvl1pPr marL="0" indent="0">
               <a:buNone/>
+              <a:defRPr sz="1600"/>
+            </a:lvl1pPr>
+            <a:lvl2pPr marL="457200" indent="0">
+              <a:buNone/>
+              <a:defRPr sz="1400"/>
+            </a:lvl2pPr>
+            <a:lvl3pPr marL="914400" indent="0">
+              <a:buNone/>
               <a:defRPr sz="1200"/>
-            </a:lvl1pPr>
-            <a:lvl2pPr marL="342900" indent="0">
-              <a:buNone/>
-              <a:defRPr sz="1050"/>
-            </a:lvl2pPr>
-            <a:lvl3pPr marL="685800" indent="0">
-              <a:buNone/>
-              <a:defRPr sz="900"/>
             </a:lvl3pPr>
-            <a:lvl4pPr marL="1028700" indent="0">
-              <a:buNone/>
-              <a:defRPr sz="750"/>
+            <a:lvl4pPr marL="1371600" indent="0">
+              <a:buNone/>
+              <a:defRPr sz="1000"/>
             </a:lvl4pPr>
-            <a:lvl5pPr marL="1371600" indent="0">
-              <a:buNone/>
-              <a:defRPr sz="750"/>
+            <a:lvl5pPr marL="1828800" indent="0">
+              <a:buNone/>
+              <a:defRPr sz="1000"/>
             </a:lvl5pPr>
-            <a:lvl6pPr marL="1714500" indent="0">
-              <a:buNone/>
-              <a:defRPr sz="750"/>
+            <a:lvl6pPr marL="2286000" indent="0">
+              <a:buNone/>
+              <a:defRPr sz="1000"/>
             </a:lvl6pPr>
-            <a:lvl7pPr marL="2057400" indent="0">
-              <a:buNone/>
-              <a:defRPr sz="750"/>
+            <a:lvl7pPr marL="2743200" indent="0">
+              <a:buNone/>
+              <a:defRPr sz="1000"/>
             </a:lvl7pPr>
-            <a:lvl8pPr marL="2400300" indent="0">
-              <a:buNone/>
-              <a:defRPr sz="750"/>
+            <a:lvl8pPr marL="3200400" indent="0">
+              <a:buNone/>
+              <a:defRPr sz="1000"/>
             </a:lvl8pPr>
-            <a:lvl9pPr marL="2743200" indent="0">
-              <a:buNone/>
-              <a:defRPr sz="750"/>
+            <a:lvl9pPr marL="3657600" indent="0">
+              <a:buNone/>
+              <a:defRPr sz="1000"/>
             </a:lvl9pPr>
           </a:lstStyle>
           <a:p>
@@ -4400,7 +4394,7 @@
     </p:spTree>
     <p:extLst>
       <p:ext uri="{BB962C8B-B14F-4D97-AF65-F5344CB8AC3E}">
-        <p14:creationId xmlns:p14="http://schemas.microsoft.com/office/powerpoint/2010/main" val="1207883955"/>
+        <p14:creationId xmlns:p14="http://schemas.microsoft.com/office/powerpoint/2010/main" val="373478283"/>
       </p:ext>
     </p:extLst>
   </p:cSld>
@@ -4439,8 +4433,8 @@
         </p:nvSpPr>
         <p:spPr>
           <a:xfrm>
-            <a:off x="628650" y="365126"/>
-            <a:ext cx="7886700" cy="1325563"/>
+            <a:off x="838200" y="365125"/>
+            <a:ext cx="10515600" cy="1325563"/>
           </a:xfrm>
         </p:spPr>
         <p:txBody>
@@ -4467,8 +4461,8 @@
         </p:nvSpPr>
         <p:spPr>
           <a:xfrm>
-            <a:off x="1002961" y="1885950"/>
-            <a:ext cx="2210150" cy="576262"/>
+            <a:off x="1337282" y="1885950"/>
+            <a:ext cx="2946866" cy="576262"/>
           </a:xfrm>
         </p:spPr>
         <p:txBody>
@@ -4478,7 +4472,7 @@
           <a:lstStyle>
             <a:lvl1pPr marL="0" indent="0">
               <a:buNone/>
-              <a:defRPr sz="1800" b="0">
+              <a:defRPr sz="2400" b="0">
                 <a:gradFill>
                   <a:gsLst>
                     <a:gs pos="15000">
@@ -4507,37 +4501,37 @@
                 </a:gradFill>
               </a:defRPr>
             </a:lvl1pPr>
-            <a:lvl2pPr marL="342900" indent="0">
-              <a:buNone/>
-              <a:defRPr sz="1500" b="1"/>
+            <a:lvl2pPr marL="457200" indent="0">
+              <a:buNone/>
+              <a:defRPr sz="2000" b="1"/>
             </a:lvl2pPr>
-            <a:lvl3pPr marL="685800" indent="0">
-              <a:buNone/>
-              <a:defRPr sz="1350" b="1"/>
+            <a:lvl3pPr marL="914400" indent="0">
+              <a:buNone/>
+              <a:defRPr sz="1800" b="1"/>
             </a:lvl3pPr>
-            <a:lvl4pPr marL="1028700" indent="0">
-              <a:buNone/>
-              <a:defRPr sz="1200" b="1"/>
+            <a:lvl4pPr marL="1371600" indent="0">
+              <a:buNone/>
+              <a:defRPr sz="1600" b="1"/>
             </a:lvl4pPr>
-            <a:lvl5pPr marL="1371600" indent="0">
-              <a:buNone/>
-              <a:defRPr sz="1200" b="1"/>
+            <a:lvl5pPr marL="1828800" indent="0">
+              <a:buNone/>
+              <a:defRPr sz="1600" b="1"/>
             </a:lvl5pPr>
-            <a:lvl6pPr marL="1714500" indent="0">
-              <a:buNone/>
-              <a:defRPr sz="1200" b="1"/>
+            <a:lvl6pPr marL="2286000" indent="0">
+              <a:buNone/>
+              <a:defRPr sz="1600" b="1"/>
             </a:lvl6pPr>
-            <a:lvl7pPr marL="2057400" indent="0">
-              <a:buNone/>
-              <a:defRPr sz="1200" b="1"/>
+            <a:lvl7pPr marL="2743200" indent="0">
+              <a:buNone/>
+              <a:defRPr sz="1600" b="1"/>
             </a:lvl7pPr>
-            <a:lvl8pPr marL="2400300" indent="0">
-              <a:buNone/>
-              <a:defRPr sz="1200" b="1"/>
+            <a:lvl8pPr marL="3200400" indent="0">
+              <a:buNone/>
+              <a:defRPr sz="1600" b="1"/>
             </a:lvl8pPr>
-            <a:lvl9pPr marL="2743200" indent="0">
-              <a:buNone/>
-              <a:defRPr sz="1200" b="1"/>
+            <a:lvl9pPr marL="3657600" indent="0">
+              <a:buNone/>
+              <a:defRPr sz="1600" b="1"/>
             </a:lvl9pPr>
           </a:lstStyle>
           <a:p>
@@ -4561,8 +4555,8 @@
         </p:nvSpPr>
         <p:spPr>
           <a:xfrm>
-            <a:off x="1017598" y="2571750"/>
-            <a:ext cx="2195513" cy="3589338"/>
+            <a:off x="1356798" y="2571750"/>
+            <a:ext cx="2927350" cy="3589338"/>
           </a:xfrm>
         </p:spPr>
         <p:txBody>
@@ -4572,39 +4566,39 @@
           <a:lstStyle>
             <a:lvl1pPr marL="0" indent="0">
               <a:buNone/>
-              <a:defRPr sz="1050"/>
+              <a:defRPr sz="1400"/>
             </a:lvl1pPr>
-            <a:lvl2pPr marL="342900" indent="0">
+            <a:lvl2pPr marL="457200" indent="0">
+              <a:buNone/>
+              <a:defRPr sz="1200"/>
+            </a:lvl2pPr>
+            <a:lvl3pPr marL="914400" indent="0">
+              <a:buNone/>
+              <a:defRPr sz="1000"/>
+            </a:lvl3pPr>
+            <a:lvl4pPr marL="1371600" indent="0">
               <a:buNone/>
               <a:defRPr sz="900"/>
-            </a:lvl2pPr>
-            <a:lvl3pPr marL="685800" indent="0">
-              <a:buNone/>
-              <a:defRPr sz="750"/>
-            </a:lvl3pPr>
-            <a:lvl4pPr marL="1028700" indent="0">
-              <a:buNone/>
-              <a:defRPr sz="675"/>
             </a:lvl4pPr>
-            <a:lvl5pPr marL="1371600" indent="0">
-              <a:buNone/>
-              <a:defRPr sz="675"/>
+            <a:lvl5pPr marL="1828800" indent="0">
+              <a:buNone/>
+              <a:defRPr sz="900"/>
             </a:lvl5pPr>
-            <a:lvl6pPr marL="1714500" indent="0">
-              <a:buNone/>
-              <a:defRPr sz="675"/>
+            <a:lvl6pPr marL="2286000" indent="0">
+              <a:buNone/>
+              <a:defRPr sz="900"/>
             </a:lvl6pPr>
-            <a:lvl7pPr marL="2057400" indent="0">
-              <a:buNone/>
-              <a:defRPr sz="675"/>
+            <a:lvl7pPr marL="2743200" indent="0">
+              <a:buNone/>
+              <a:defRPr sz="900"/>
             </a:lvl7pPr>
-            <a:lvl8pPr marL="2400300" indent="0">
-              <a:buNone/>
-              <a:defRPr sz="675"/>
+            <a:lvl8pPr marL="3200400" indent="0">
+              <a:buNone/>
+              <a:defRPr sz="900"/>
             </a:lvl8pPr>
-            <a:lvl9pPr marL="2743200" indent="0">
-              <a:buNone/>
-              <a:defRPr sz="675"/>
+            <a:lvl9pPr marL="3657600" indent="0">
+              <a:buNone/>
+              <a:defRPr sz="900"/>
             </a:lvl9pPr>
           </a:lstStyle>
           <a:p>
@@ -4628,8 +4622,8 @@
         </p:nvSpPr>
         <p:spPr>
           <a:xfrm>
-            <a:off x="3440996" y="1885950"/>
-            <a:ext cx="2202181" cy="576262"/>
+            <a:off x="4587994" y="1885950"/>
+            <a:ext cx="2936241" cy="576262"/>
           </a:xfrm>
         </p:spPr>
         <p:txBody>
@@ -4639,7 +4633,7 @@
           <a:lstStyle>
             <a:lvl1pPr>
               <a:buNone/>
-              <a:defRPr lang="en-US" sz="1800" b="0">
+              <a:defRPr lang="en-US" sz="2400" b="0">
                 <a:gradFill>
                   <a:gsLst>
                     <a:gs pos="15000">
@@ -4692,8 +4686,8 @@
         </p:nvSpPr>
         <p:spPr>
           <a:xfrm>
-            <a:off x="3433081" y="2571750"/>
-            <a:ext cx="2210096" cy="3589338"/>
+            <a:off x="4577441" y="2571750"/>
+            <a:ext cx="2946794" cy="3589338"/>
           </a:xfrm>
         </p:spPr>
         <p:txBody>
@@ -4703,39 +4697,39 @@
           <a:lstStyle>
             <a:lvl1pPr marL="0" indent="0">
               <a:buNone/>
-              <a:defRPr sz="1050"/>
+              <a:defRPr sz="1400"/>
             </a:lvl1pPr>
-            <a:lvl2pPr marL="342900" indent="0">
+            <a:lvl2pPr marL="457200" indent="0">
+              <a:buNone/>
+              <a:defRPr sz="1200"/>
+            </a:lvl2pPr>
+            <a:lvl3pPr marL="914400" indent="0">
+              <a:buNone/>
+              <a:defRPr sz="1000"/>
+            </a:lvl3pPr>
+            <a:lvl4pPr marL="1371600" indent="0">
               <a:buNone/>
               <a:defRPr sz="900"/>
-            </a:lvl2pPr>
-            <a:lvl3pPr marL="685800" indent="0">
-              <a:buNone/>
-              <a:defRPr sz="750"/>
-            </a:lvl3pPr>
-            <a:lvl4pPr marL="1028700" indent="0">
-              <a:buNone/>
-              <a:defRPr sz="675"/>
             </a:lvl4pPr>
-            <a:lvl5pPr marL="1371600" indent="0">
-              <a:buNone/>
-              <a:defRPr sz="675"/>
+            <a:lvl5pPr marL="1828800" indent="0">
+              <a:buNone/>
+              <a:defRPr sz="900"/>
             </a:lvl5pPr>
-            <a:lvl6pPr marL="1714500" indent="0">
-              <a:buNone/>
-              <a:defRPr sz="675"/>
+            <a:lvl6pPr marL="2286000" indent="0">
+              <a:buNone/>
+              <a:defRPr sz="900"/>
             </a:lvl6pPr>
-            <a:lvl7pPr marL="2057400" indent="0">
-              <a:buNone/>
-              <a:defRPr sz="675"/>
+            <a:lvl7pPr marL="2743200" indent="0">
+              <a:buNone/>
+              <a:defRPr sz="900"/>
             </a:lvl7pPr>
-            <a:lvl8pPr marL="2400300" indent="0">
-              <a:buNone/>
-              <a:defRPr sz="675"/>
+            <a:lvl8pPr marL="3200400" indent="0">
+              <a:buNone/>
+              <a:defRPr sz="900"/>
             </a:lvl8pPr>
-            <a:lvl9pPr marL="2743200" indent="0">
-              <a:buNone/>
-              <a:defRPr sz="675"/>
+            <a:lvl9pPr marL="3657600" indent="0">
+              <a:buNone/>
+              <a:defRPr sz="900"/>
             </a:lvl9pPr>
           </a:lstStyle>
           <a:p>
@@ -4759,8 +4753,8 @@
         </p:nvSpPr>
         <p:spPr>
           <a:xfrm>
-            <a:off x="5871777" y="1885950"/>
-            <a:ext cx="2199085" cy="576262"/>
+            <a:off x="7829035" y="1885950"/>
+            <a:ext cx="2932113" cy="576262"/>
           </a:xfrm>
         </p:spPr>
         <p:txBody>
@@ -4770,7 +4764,7 @@
           <a:lstStyle>
             <a:lvl1pPr>
               <a:buNone/>
-              <a:defRPr lang="en-US" sz="1800" b="0" dirty="0">
+              <a:defRPr lang="en-US" sz="2400" b="0" dirty="0">
                 <a:gradFill>
                   <a:gsLst>
                     <a:gs pos="15000">
@@ -4823,8 +4817,8 @@
         </p:nvSpPr>
         <p:spPr>
           <a:xfrm>
-            <a:off x="5871777" y="2571750"/>
-            <a:ext cx="2199085" cy="3589338"/>
+            <a:off x="7829035" y="2571750"/>
+            <a:ext cx="2932113" cy="3589338"/>
           </a:xfrm>
         </p:spPr>
         <p:txBody>
@@ -4834,39 +4828,39 @@
           <a:lstStyle>
             <a:lvl1pPr marL="0" indent="0">
               <a:buNone/>
-              <a:defRPr sz="1050"/>
+              <a:defRPr sz="1400"/>
             </a:lvl1pPr>
-            <a:lvl2pPr marL="342900" indent="0">
+            <a:lvl2pPr marL="457200" indent="0">
+              <a:buNone/>
+              <a:defRPr sz="1200"/>
+            </a:lvl2pPr>
+            <a:lvl3pPr marL="914400" indent="0">
+              <a:buNone/>
+              <a:defRPr sz="1000"/>
+            </a:lvl3pPr>
+            <a:lvl4pPr marL="1371600" indent="0">
               <a:buNone/>
               <a:defRPr sz="900"/>
-            </a:lvl2pPr>
-            <a:lvl3pPr marL="685800" indent="0">
-              <a:buNone/>
-              <a:defRPr sz="750"/>
-            </a:lvl3pPr>
-            <a:lvl4pPr marL="1028700" indent="0">
-              <a:buNone/>
-              <a:defRPr sz="675"/>
             </a:lvl4pPr>
-            <a:lvl5pPr marL="1371600" indent="0">
-              <a:buNone/>
-              <a:defRPr sz="675"/>
+            <a:lvl5pPr marL="1828800" indent="0">
+              <a:buNone/>
+              <a:defRPr sz="900"/>
             </a:lvl5pPr>
-            <a:lvl6pPr marL="1714500" indent="0">
-              <a:buNone/>
-              <a:defRPr sz="675"/>
+            <a:lvl6pPr marL="2286000" indent="0">
+              <a:buNone/>
+              <a:defRPr sz="900"/>
             </a:lvl6pPr>
-            <a:lvl7pPr marL="2057400" indent="0">
-              <a:buNone/>
-              <a:defRPr sz="675"/>
+            <a:lvl7pPr marL="2743200" indent="0">
+              <a:buNone/>
+              <a:defRPr sz="900"/>
             </a:lvl7pPr>
-            <a:lvl8pPr marL="2400300" indent="0">
-              <a:buNone/>
-              <a:defRPr sz="675"/>
+            <a:lvl8pPr marL="3200400" indent="0">
+              <a:buNone/>
+              <a:defRPr sz="900"/>
             </a:lvl8pPr>
-            <a:lvl9pPr marL="2743200" indent="0">
-              <a:buNone/>
-              <a:defRPr sz="675"/>
+            <a:lvl9pPr marL="3657600" indent="0">
+              <a:buNone/>
+              <a:defRPr sz="900"/>
             </a:lvl9pPr>
           </a:lstStyle>
           <a:p>
@@ -4946,7 +4940,7 @@
     </p:spTree>
     <p:extLst>
       <p:ext uri="{BB962C8B-B14F-4D97-AF65-F5344CB8AC3E}">
-        <p14:creationId xmlns:p14="http://schemas.microsoft.com/office/powerpoint/2010/main" val="2586848184"/>
+        <p14:creationId xmlns:p14="http://schemas.microsoft.com/office/powerpoint/2010/main" val="3859049396"/>
       </p:ext>
     </p:extLst>
   </p:cSld>
@@ -4985,8 +4979,8 @@
         </p:nvSpPr>
         <p:spPr>
           <a:xfrm>
-            <a:off x="628650" y="365126"/>
-            <a:ext cx="7886700" cy="1325563"/>
+            <a:off x="838200" y="365125"/>
+            <a:ext cx="10515600" cy="1325563"/>
           </a:xfrm>
         </p:spPr>
         <p:txBody>
@@ -5013,8 +5007,8 @@
         </p:nvSpPr>
         <p:spPr>
           <a:xfrm>
-            <a:off x="999064" y="4297503"/>
-            <a:ext cx="2205038" cy="576262"/>
+            <a:off x="1332085" y="4297503"/>
+            <a:ext cx="2940050" cy="576262"/>
           </a:xfrm>
         </p:spPr>
         <p:txBody>
@@ -5024,7 +5018,7 @@
           <a:lstStyle>
             <a:lvl1pPr marL="0" indent="0">
               <a:buNone/>
-              <a:defRPr sz="1800" b="0">
+              <a:defRPr sz="2400" b="0">
                 <a:gradFill>
                   <a:gsLst>
                     <a:gs pos="34000">
@@ -5049,37 +5043,37 @@
                 </a:gradFill>
               </a:defRPr>
             </a:lvl1pPr>
-            <a:lvl2pPr marL="342900" indent="0">
-              <a:buNone/>
-              <a:defRPr sz="1500" b="1"/>
+            <a:lvl2pPr marL="457200" indent="0">
+              <a:buNone/>
+              <a:defRPr sz="2000" b="1"/>
             </a:lvl2pPr>
-            <a:lvl3pPr marL="685800" indent="0">
-              <a:buNone/>
-              <a:defRPr sz="1350" b="1"/>
+            <a:lvl3pPr marL="914400" indent="0">
+              <a:buNone/>
+              <a:defRPr sz="1800" b="1"/>
             </a:lvl3pPr>
-            <a:lvl4pPr marL="1028700" indent="0">
-              <a:buNone/>
-              <a:defRPr sz="1200" b="1"/>
+            <a:lvl4pPr marL="1371600" indent="0">
+              <a:buNone/>
+              <a:defRPr sz="1600" b="1"/>
             </a:lvl4pPr>
-            <a:lvl5pPr marL="1371600" indent="0">
-              <a:buNone/>
-              <a:defRPr sz="1200" b="1"/>
+            <a:lvl5pPr marL="1828800" indent="0">
+              <a:buNone/>
+              <a:defRPr sz="1600" b="1"/>
             </a:lvl5pPr>
-            <a:lvl6pPr marL="1714500" indent="0">
-              <a:buNone/>
-              <a:defRPr sz="1200" b="1"/>
+            <a:lvl6pPr marL="2286000" indent="0">
+              <a:buNone/>
+              <a:defRPr sz="1600" b="1"/>
             </a:lvl6pPr>
-            <a:lvl7pPr marL="2057400" indent="0">
-              <a:buNone/>
-              <a:defRPr sz="1200" b="1"/>
+            <a:lvl7pPr marL="2743200" indent="0">
+              <a:buNone/>
+              <a:defRPr sz="1600" b="1"/>
             </a:lvl7pPr>
-            <a:lvl8pPr marL="2400300" indent="0">
-              <a:buNone/>
-              <a:defRPr sz="1200" b="1"/>
+            <a:lvl8pPr marL="3200400" indent="0">
+              <a:buNone/>
+              <a:defRPr sz="1600" b="1"/>
             </a:lvl8pPr>
-            <a:lvl9pPr marL="2743200" indent="0">
-              <a:buNone/>
-              <a:defRPr sz="1200" b="1"/>
+            <a:lvl9pPr marL="3657600" indent="0">
+              <a:buNone/>
+              <a:defRPr sz="1600" b="1"/>
             </a:lvl9pPr>
           </a:lstStyle>
           <a:p>
@@ -5103,8 +5097,8 @@
         </p:nvSpPr>
         <p:spPr>
           <a:xfrm>
-            <a:off x="999064" y="2256354"/>
-            <a:ext cx="2205038" cy="1524000"/>
+            <a:off x="1332085" y="2256354"/>
+            <a:ext cx="2940050" cy="1524000"/>
           </a:xfrm>
           <a:prstGeom prst="roundRect">
             <a:avLst>
@@ -5126,39 +5120,39 @@
           <a:lstStyle>
             <a:lvl1pPr marL="0" indent="0" algn="ctr">
               <a:buNone/>
-              <a:defRPr sz="1200"/>
+              <a:defRPr sz="1600"/>
             </a:lvl1pPr>
-            <a:lvl2pPr marL="342900" indent="0">
-              <a:buNone/>
-              <a:defRPr sz="1200"/>
+            <a:lvl2pPr marL="457200" indent="0">
+              <a:buNone/>
+              <a:defRPr sz="1600"/>
             </a:lvl2pPr>
-            <a:lvl3pPr marL="685800" indent="0">
-              <a:buNone/>
-              <a:defRPr sz="1200"/>
+            <a:lvl3pPr marL="914400" indent="0">
+              <a:buNone/>
+              <a:defRPr sz="1600"/>
             </a:lvl3pPr>
-            <a:lvl4pPr marL="1028700" indent="0">
-              <a:buNone/>
-              <a:defRPr sz="1200"/>
+            <a:lvl4pPr marL="1371600" indent="0">
+              <a:buNone/>
+              <a:defRPr sz="1600"/>
             </a:lvl4pPr>
-            <a:lvl5pPr marL="1371600" indent="0">
-              <a:buNone/>
-              <a:defRPr sz="1200"/>
+            <a:lvl5pPr marL="1828800" indent="0">
+              <a:buNone/>
+              <a:defRPr sz="1600"/>
             </a:lvl5pPr>
-            <a:lvl6pPr marL="1714500" indent="0">
-              <a:buNone/>
-              <a:defRPr sz="1200"/>
+            <a:lvl6pPr marL="2286000" indent="0">
+              <a:buNone/>
+              <a:defRPr sz="1600"/>
             </a:lvl6pPr>
-            <a:lvl7pPr marL="2057400" indent="0">
-              <a:buNone/>
-              <a:defRPr sz="1200"/>
+            <a:lvl7pPr marL="2743200" indent="0">
+              <a:buNone/>
+              <a:defRPr sz="1600"/>
             </a:lvl7pPr>
-            <a:lvl8pPr marL="2400300" indent="0">
-              <a:buNone/>
-              <a:defRPr sz="1200"/>
+            <a:lvl8pPr marL="3200400" indent="0">
+              <a:buNone/>
+              <a:defRPr sz="1600"/>
             </a:lvl8pPr>
-            <a:lvl9pPr marL="2743200" indent="0">
-              <a:buNone/>
-              <a:defRPr sz="1200"/>
+            <a:lvl9pPr marL="3657600" indent="0">
+              <a:buNone/>
+              <a:defRPr sz="1600"/>
             </a:lvl9pPr>
           </a:lstStyle>
           <a:p>
@@ -5182,8 +5176,8 @@
         </p:nvSpPr>
         <p:spPr>
           <a:xfrm>
-            <a:off x="999064" y="4873766"/>
-            <a:ext cx="2205038" cy="659189"/>
+            <a:off x="1332085" y="4873765"/>
+            <a:ext cx="2940050" cy="659189"/>
           </a:xfrm>
         </p:spPr>
         <p:txBody>
@@ -5193,39 +5187,39 @@
           <a:lstStyle>
             <a:lvl1pPr marL="0" indent="0">
               <a:buNone/>
-              <a:defRPr sz="1050"/>
+              <a:defRPr sz="1400"/>
             </a:lvl1pPr>
-            <a:lvl2pPr marL="342900" indent="0">
+            <a:lvl2pPr marL="457200" indent="0">
+              <a:buNone/>
+              <a:defRPr sz="1200"/>
+            </a:lvl2pPr>
+            <a:lvl3pPr marL="914400" indent="0">
+              <a:buNone/>
+              <a:defRPr sz="1000"/>
+            </a:lvl3pPr>
+            <a:lvl4pPr marL="1371600" indent="0">
               <a:buNone/>
               <a:defRPr sz="900"/>
-            </a:lvl2pPr>
-            <a:lvl3pPr marL="685800" indent="0">
-              <a:buNone/>
-              <a:defRPr sz="750"/>
-            </a:lvl3pPr>
-            <a:lvl4pPr marL="1028700" indent="0">
-              <a:buNone/>
-              <a:defRPr sz="675"/>
             </a:lvl4pPr>
-            <a:lvl5pPr marL="1371600" indent="0">
-              <a:buNone/>
-              <a:defRPr sz="675"/>
+            <a:lvl5pPr marL="1828800" indent="0">
+              <a:buNone/>
+              <a:defRPr sz="900"/>
             </a:lvl5pPr>
-            <a:lvl6pPr marL="1714500" indent="0">
-              <a:buNone/>
-              <a:defRPr sz="675"/>
+            <a:lvl6pPr marL="2286000" indent="0">
+              <a:buNone/>
+              <a:defRPr sz="900"/>
             </a:lvl6pPr>
-            <a:lvl7pPr marL="2057400" indent="0">
-              <a:buNone/>
-              <a:defRPr sz="675"/>
+            <a:lvl7pPr marL="2743200" indent="0">
+              <a:buNone/>
+              <a:defRPr sz="900"/>
             </a:lvl7pPr>
-            <a:lvl8pPr marL="2400300" indent="0">
-              <a:buNone/>
-              <a:defRPr sz="675"/>
+            <a:lvl8pPr marL="3200400" indent="0">
+              <a:buNone/>
+              <a:defRPr sz="900"/>
             </a:lvl8pPr>
-            <a:lvl9pPr marL="2743200" indent="0">
-              <a:buNone/>
-              <a:defRPr sz="675"/>
+            <a:lvl9pPr marL="3657600" indent="0">
+              <a:buNone/>
+              <a:defRPr sz="900"/>
             </a:lvl9pPr>
           </a:lstStyle>
           <a:p>
@@ -5249,8 +5243,8 @@
         </p:nvSpPr>
         <p:spPr>
           <a:xfrm>
-            <a:off x="3426748" y="4297503"/>
-            <a:ext cx="2197894" cy="576262"/>
+            <a:off x="4568997" y="4297503"/>
+            <a:ext cx="2930525" cy="576262"/>
           </a:xfrm>
         </p:spPr>
         <p:txBody>
@@ -5260,7 +5254,7 @@
           <a:lstStyle>
             <a:lvl1pPr marL="0" indent="0">
               <a:buNone/>
-              <a:defRPr sz="1800" b="0">
+              <a:defRPr sz="2400" b="0">
                 <a:gradFill>
                   <a:gsLst>
                     <a:gs pos="34000">
@@ -5285,37 +5279,37 @@
                 </a:gradFill>
               </a:defRPr>
             </a:lvl1pPr>
-            <a:lvl2pPr marL="342900" indent="0">
-              <a:buNone/>
-              <a:defRPr sz="1500" b="1"/>
+            <a:lvl2pPr marL="457200" indent="0">
+              <a:buNone/>
+              <a:defRPr sz="2000" b="1"/>
             </a:lvl2pPr>
-            <a:lvl3pPr marL="685800" indent="0">
-              <a:buNone/>
-              <a:defRPr sz="1350" b="1"/>
+            <a:lvl3pPr marL="914400" indent="0">
+              <a:buNone/>
+              <a:defRPr sz="1800" b="1"/>
             </a:lvl3pPr>
-            <a:lvl4pPr marL="1028700" indent="0">
-              <a:buNone/>
-              <a:defRPr sz="1200" b="1"/>
+            <a:lvl4pPr marL="1371600" indent="0">
+              <a:buNone/>
+              <a:defRPr sz="1600" b="1"/>
             </a:lvl4pPr>
-            <a:lvl5pPr marL="1371600" indent="0">
-              <a:buNone/>
-              <a:defRPr sz="1200" b="1"/>
+            <a:lvl5pPr marL="1828800" indent="0">
+              <a:buNone/>
+              <a:defRPr sz="1600" b="1"/>
             </a:lvl5pPr>
-            <a:lvl6pPr marL="1714500" indent="0">
-              <a:buNone/>
-              <a:defRPr sz="1200" b="1"/>
+            <a:lvl6pPr marL="2286000" indent="0">
+              <a:buNone/>
+              <a:defRPr sz="1600" b="1"/>
             </a:lvl6pPr>
-            <a:lvl7pPr marL="2057400" indent="0">
-              <a:buNone/>
-              <a:defRPr sz="1200" b="1"/>
+            <a:lvl7pPr marL="2743200" indent="0">
+              <a:buNone/>
+              <a:defRPr sz="1600" b="1"/>
             </a:lvl7pPr>
-            <a:lvl8pPr marL="2400300" indent="0">
-              <a:buNone/>
-              <a:defRPr sz="1200" b="1"/>
+            <a:lvl8pPr marL="3200400" indent="0">
+              <a:buNone/>
+              <a:defRPr sz="1600" b="1"/>
             </a:lvl8pPr>
-            <a:lvl9pPr marL="2743200" indent="0">
-              <a:buNone/>
-              <a:defRPr sz="1200" b="1"/>
+            <a:lvl9pPr marL="3657600" indent="0">
+              <a:buNone/>
+              <a:defRPr sz="1600" b="1"/>
             </a:lvl9pPr>
           </a:lstStyle>
           <a:p>
@@ -5339,8 +5333,8 @@
         </p:nvSpPr>
         <p:spPr>
           <a:xfrm>
-            <a:off x="3426747" y="2256354"/>
-            <a:ext cx="2197894" cy="1524000"/>
+            <a:off x="4568996" y="2256354"/>
+            <a:ext cx="2930525" cy="1524000"/>
           </a:xfrm>
           <a:prstGeom prst="roundRect">
             <a:avLst>
@@ -5362,39 +5356,39 @@
           <a:lstStyle>
             <a:lvl1pPr marL="0" indent="0" algn="ctr">
               <a:buNone/>
-              <a:defRPr sz="1200"/>
+              <a:defRPr sz="1600"/>
             </a:lvl1pPr>
-            <a:lvl2pPr marL="342900" indent="0">
-              <a:buNone/>
-              <a:defRPr sz="1200"/>
+            <a:lvl2pPr marL="457200" indent="0">
+              <a:buNone/>
+              <a:defRPr sz="1600"/>
             </a:lvl2pPr>
-            <a:lvl3pPr marL="685800" indent="0">
-              <a:buNone/>
-              <a:defRPr sz="1200"/>
+            <a:lvl3pPr marL="914400" indent="0">
+              <a:buNone/>
+              <a:defRPr sz="1600"/>
             </a:lvl3pPr>
-            <a:lvl4pPr marL="1028700" indent="0">
-              <a:buNone/>
-              <a:defRPr sz="1200"/>
+            <a:lvl4pPr marL="1371600" indent="0">
+              <a:buNone/>
+              <a:defRPr sz="1600"/>
             </a:lvl4pPr>
-            <a:lvl5pPr marL="1371600" indent="0">
-              <a:buNone/>
-              <a:defRPr sz="1200"/>
+            <a:lvl5pPr marL="1828800" indent="0">
+              <a:buNone/>
+              <a:defRPr sz="1600"/>
             </a:lvl5pPr>
-            <a:lvl6pPr marL="1714500" indent="0">
-              <a:buNone/>
-              <a:defRPr sz="1200"/>
+            <a:lvl6pPr marL="2286000" indent="0">
+              <a:buNone/>
+              <a:defRPr sz="1600"/>
             </a:lvl6pPr>
-            <a:lvl7pPr marL="2057400" indent="0">
-              <a:buNone/>
-              <a:defRPr sz="1200"/>
+            <a:lvl7pPr marL="2743200" indent="0">
+              <a:buNone/>
+              <a:defRPr sz="1600"/>
             </a:lvl7pPr>
-            <a:lvl8pPr marL="2400300" indent="0">
-              <a:buNone/>
-              <a:defRPr sz="1200"/>
+            <a:lvl8pPr marL="3200400" indent="0">
+              <a:buNone/>
+              <a:defRPr sz="1600"/>
             </a:lvl8pPr>
-            <a:lvl9pPr marL="2743200" indent="0">
-              <a:buNone/>
-              <a:defRPr sz="1200"/>
+            <a:lvl9pPr marL="3657600" indent="0">
+              <a:buNone/>
+              <a:defRPr sz="1600"/>
             </a:lvl9pPr>
           </a:lstStyle>
           <a:p>
@@ -5418,8 +5412,8 @@
         </p:nvSpPr>
         <p:spPr>
           <a:xfrm>
-            <a:off x="3425733" y="4873765"/>
-            <a:ext cx="2200805" cy="659189"/>
+            <a:off x="4567644" y="4873764"/>
+            <a:ext cx="2934406" cy="659189"/>
           </a:xfrm>
         </p:spPr>
         <p:txBody>
@@ -5429,39 +5423,39 @@
           <a:lstStyle>
             <a:lvl1pPr marL="0" indent="0">
               <a:buNone/>
-              <a:defRPr sz="1050"/>
+              <a:defRPr sz="1400"/>
             </a:lvl1pPr>
-            <a:lvl2pPr marL="342900" indent="0">
+            <a:lvl2pPr marL="457200" indent="0">
+              <a:buNone/>
+              <a:defRPr sz="1200"/>
+            </a:lvl2pPr>
+            <a:lvl3pPr marL="914400" indent="0">
+              <a:buNone/>
+              <a:defRPr sz="1000"/>
+            </a:lvl3pPr>
+            <a:lvl4pPr marL="1371600" indent="0">
               <a:buNone/>
               <a:defRPr sz="900"/>
-            </a:lvl2pPr>
-            <a:lvl3pPr marL="685800" indent="0">
-              <a:buNone/>
-              <a:defRPr sz="750"/>
-            </a:lvl3pPr>
-            <a:lvl4pPr marL="1028700" indent="0">
-              <a:buNone/>
-              <a:defRPr sz="675"/>
             </a:lvl4pPr>
-            <a:lvl5pPr marL="1371600" indent="0">
-              <a:buNone/>
-              <a:defRPr sz="675"/>
+            <a:lvl5pPr marL="1828800" indent="0">
+              <a:buNone/>
+              <a:defRPr sz="900"/>
             </a:lvl5pPr>
-            <a:lvl6pPr marL="1714500" indent="0">
-              <a:buNone/>
-              <a:defRPr sz="675"/>
+            <a:lvl6pPr marL="2286000" indent="0">
+              <a:buNone/>
+              <a:defRPr sz="900"/>
             </a:lvl6pPr>
-            <a:lvl7pPr marL="2057400" indent="0">
-              <a:buNone/>
-              <a:defRPr sz="675"/>
+            <a:lvl7pPr marL="2743200" indent="0">
+              <a:buNone/>
+              <a:defRPr sz="900"/>
             </a:lvl7pPr>
-            <a:lvl8pPr marL="2400300" indent="0">
-              <a:buNone/>
-              <a:defRPr sz="675"/>
+            <a:lvl8pPr marL="3200400" indent="0">
+              <a:buNone/>
+              <a:defRPr sz="900"/>
             </a:lvl8pPr>
-            <a:lvl9pPr marL="2743200" indent="0">
-              <a:buNone/>
-              <a:defRPr sz="675"/>
+            <a:lvl9pPr marL="3657600" indent="0">
+              <a:buNone/>
+              <a:defRPr sz="900"/>
             </a:lvl9pPr>
           </a:lstStyle>
           <a:p>
@@ -5485,8 +5479,8 @@
         </p:nvSpPr>
         <p:spPr>
           <a:xfrm>
-            <a:off x="5853242" y="4297503"/>
-            <a:ext cx="2199085" cy="576262"/>
+            <a:off x="7804322" y="4297503"/>
+            <a:ext cx="2932113" cy="576262"/>
           </a:xfrm>
         </p:spPr>
         <p:txBody>
@@ -5496,7 +5490,7 @@
           <a:lstStyle>
             <a:lvl1pPr marL="0" indent="0">
               <a:buNone/>
-              <a:defRPr sz="1800" b="0">
+              <a:defRPr sz="2400" b="0">
                 <a:gradFill>
                   <a:gsLst>
                     <a:gs pos="34000">
@@ -5521,37 +5515,37 @@
                 </a:gradFill>
               </a:defRPr>
             </a:lvl1pPr>
-            <a:lvl2pPr marL="342900" indent="0">
-              <a:buNone/>
-              <a:defRPr sz="1500" b="1"/>
+            <a:lvl2pPr marL="457200" indent="0">
+              <a:buNone/>
+              <a:defRPr sz="2000" b="1"/>
             </a:lvl2pPr>
-            <a:lvl3pPr marL="685800" indent="0">
-              <a:buNone/>
-              <a:defRPr sz="1350" b="1"/>
+            <a:lvl3pPr marL="914400" indent="0">
+              <a:buNone/>
+              <a:defRPr sz="1800" b="1"/>
             </a:lvl3pPr>
-            <a:lvl4pPr marL="1028700" indent="0">
-              <a:buNone/>
-              <a:defRPr sz="1200" b="1"/>
+            <a:lvl4pPr marL="1371600" indent="0">
+              <a:buNone/>
+              <a:defRPr sz="1600" b="1"/>
             </a:lvl4pPr>
-            <a:lvl5pPr marL="1371600" indent="0">
-              <a:buNone/>
-              <a:defRPr sz="1200" b="1"/>
+            <a:lvl5pPr marL="1828800" indent="0">
+              <a:buNone/>
+              <a:defRPr sz="1600" b="1"/>
             </a:lvl5pPr>
-            <a:lvl6pPr marL="1714500" indent="0">
-              <a:buNone/>
-              <a:defRPr sz="1200" b="1"/>
+            <a:lvl6pPr marL="2286000" indent="0">
+              <a:buNone/>
+              <a:defRPr sz="1600" b="1"/>
             </a:lvl6pPr>
-            <a:lvl7pPr marL="2057400" indent="0">
-              <a:buNone/>
-              <a:defRPr sz="1200" b="1"/>
+            <a:lvl7pPr marL="2743200" indent="0">
+              <a:buNone/>
+              <a:defRPr sz="1600" b="1"/>
             </a:lvl7pPr>
-            <a:lvl8pPr marL="2400300" indent="0">
-              <a:buNone/>
-              <a:defRPr sz="1200" b="1"/>
+            <a:lvl8pPr marL="3200400" indent="0">
+              <a:buNone/>
+              <a:defRPr sz="1600" b="1"/>
             </a:lvl8pPr>
-            <a:lvl9pPr marL="2743200" indent="0">
-              <a:buNone/>
-              <a:defRPr sz="1200" b="1"/>
+            <a:lvl9pPr marL="3657600" indent="0">
+              <a:buNone/>
+              <a:defRPr sz="1600" b="1"/>
             </a:lvl9pPr>
           </a:lstStyle>
           <a:p>
@@ -5575,8 +5569,8 @@
         </p:nvSpPr>
         <p:spPr>
           <a:xfrm>
-            <a:off x="5853241" y="2256354"/>
-            <a:ext cx="2199085" cy="1524000"/>
+            <a:off x="7804321" y="2256354"/>
+            <a:ext cx="2932113" cy="1524000"/>
           </a:xfrm>
           <a:prstGeom prst="roundRect">
             <a:avLst>
@@ -5598,39 +5592,39 @@
           <a:lstStyle>
             <a:lvl1pPr marL="0" indent="0" algn="ctr">
               <a:buNone/>
-              <a:defRPr sz="1200"/>
+              <a:defRPr sz="1600"/>
             </a:lvl1pPr>
-            <a:lvl2pPr marL="342900" indent="0">
-              <a:buNone/>
-              <a:defRPr sz="1200"/>
+            <a:lvl2pPr marL="457200" indent="0">
+              <a:buNone/>
+              <a:defRPr sz="1600"/>
             </a:lvl2pPr>
-            <a:lvl3pPr marL="685800" indent="0">
-              <a:buNone/>
-              <a:defRPr sz="1200"/>
+            <a:lvl3pPr marL="914400" indent="0">
+              <a:buNone/>
+              <a:defRPr sz="1600"/>
             </a:lvl3pPr>
-            <a:lvl4pPr marL="1028700" indent="0">
-              <a:buNone/>
-              <a:defRPr sz="1200"/>
+            <a:lvl4pPr marL="1371600" indent="0">
+              <a:buNone/>
+              <a:defRPr sz="1600"/>
             </a:lvl4pPr>
-            <a:lvl5pPr marL="1371600" indent="0">
-              <a:buNone/>
-              <a:defRPr sz="1200"/>
+            <a:lvl5pPr marL="1828800" indent="0">
+              <a:buNone/>
+              <a:defRPr sz="1600"/>
             </a:lvl5pPr>
-            <a:lvl6pPr marL="1714500" indent="0">
-              <a:buNone/>
-              <a:defRPr sz="1200"/>
+            <a:lvl6pPr marL="2286000" indent="0">
+              <a:buNone/>
+              <a:defRPr sz="1600"/>
             </a:lvl6pPr>
-            <a:lvl7pPr marL="2057400" indent="0">
-              <a:buNone/>
-              <a:defRPr sz="1200"/>
+            <a:lvl7pPr marL="2743200" indent="0">
+              <a:buNone/>
+              <a:defRPr sz="1600"/>
             </a:lvl7pPr>
-            <a:lvl8pPr marL="2400300" indent="0">
-              <a:buNone/>
-              <a:defRPr sz="1200"/>
+            <a:lvl8pPr marL="3200400" indent="0">
+              <a:buNone/>
+              <a:defRPr sz="1600"/>
             </a:lvl8pPr>
-            <a:lvl9pPr marL="2743200" indent="0">
-              <a:buNone/>
-              <a:defRPr sz="1200"/>
+            <a:lvl9pPr marL="3657600" indent="0">
+              <a:buNone/>
+              <a:defRPr sz="1600"/>
             </a:lvl9pPr>
           </a:lstStyle>
           <a:p>
@@ -5654,8 +5648,8 @@
         </p:nvSpPr>
         <p:spPr>
           <a:xfrm>
-            <a:off x="5853148" y="4873763"/>
-            <a:ext cx="2201998" cy="659189"/>
+            <a:off x="7804197" y="4873762"/>
+            <a:ext cx="2935997" cy="659189"/>
           </a:xfrm>
         </p:spPr>
         <p:txBody>
@@ -5665,39 +5659,39 @@
           <a:lstStyle>
             <a:lvl1pPr marL="0" indent="0">
               <a:buNone/>
-              <a:defRPr sz="1050"/>
+              <a:defRPr sz="1400"/>
             </a:lvl1pPr>
-            <a:lvl2pPr marL="342900" indent="0">
+            <a:lvl2pPr marL="457200" indent="0">
+              <a:buNone/>
+              <a:defRPr sz="1200"/>
+            </a:lvl2pPr>
+            <a:lvl3pPr marL="914400" indent="0">
+              <a:buNone/>
+              <a:defRPr sz="1000"/>
+            </a:lvl3pPr>
+            <a:lvl4pPr marL="1371600" indent="0">
               <a:buNone/>
               <a:defRPr sz="900"/>
-            </a:lvl2pPr>
-            <a:lvl3pPr marL="685800" indent="0">
-              <a:buNone/>
-              <a:defRPr sz="750"/>
-            </a:lvl3pPr>
-            <a:lvl4pPr marL="1028700" indent="0">
-              <a:buNone/>
-              <a:defRPr sz="675"/>
             </a:lvl4pPr>
-            <a:lvl5pPr marL="1371600" indent="0">
-              <a:buNone/>
-              <a:defRPr sz="675"/>
+            <a:lvl5pPr marL="1828800" indent="0">
+              <a:buNone/>
+              <a:defRPr sz="900"/>
             </a:lvl5pPr>
-            <a:lvl6pPr marL="1714500" indent="0">
-              <a:buNone/>
-              <a:defRPr sz="675"/>
+            <a:lvl6pPr marL="2286000" indent="0">
+              <a:buNone/>
+              <a:defRPr sz="900"/>
             </a:lvl6pPr>
-            <a:lvl7pPr marL="2057400" indent="0">
-              <a:buNone/>
-              <a:defRPr sz="675"/>
+            <a:lvl7pPr marL="2743200" indent="0">
+              <a:buNone/>
+              <a:defRPr sz="900"/>
             </a:lvl7pPr>
-            <a:lvl8pPr marL="2400300" indent="0">
-              <a:buNone/>
-              <a:defRPr sz="675"/>
+            <a:lvl8pPr marL="3200400" indent="0">
+              <a:buNone/>
+              <a:defRPr sz="900"/>
             </a:lvl8pPr>
-            <a:lvl9pPr marL="2743200" indent="0">
-              <a:buNone/>
-              <a:defRPr sz="675"/>
+            <a:lvl9pPr marL="3657600" indent="0">
+              <a:buNone/>
+              <a:defRPr sz="900"/>
             </a:lvl9pPr>
           </a:lstStyle>
           <a:p>
@@ -5777,7 +5771,7 @@
     </p:spTree>
     <p:extLst>
       <p:ext uri="{BB962C8B-B14F-4D97-AF65-F5344CB8AC3E}">
-        <p14:creationId xmlns:p14="http://schemas.microsoft.com/office/powerpoint/2010/main" val="1186517753"/>
+        <p14:creationId xmlns:p14="http://schemas.microsoft.com/office/powerpoint/2010/main" val="2234124463"/>
       </p:ext>
     </p:extLst>
   </p:cSld>
@@ -5947,7 +5941,7 @@
     </p:spTree>
     <p:extLst>
       <p:ext uri="{BB962C8B-B14F-4D97-AF65-F5344CB8AC3E}">
-        <p14:creationId xmlns:p14="http://schemas.microsoft.com/office/powerpoint/2010/main" val="4176119453"/>
+        <p14:creationId xmlns:p14="http://schemas.microsoft.com/office/powerpoint/2010/main" val="4176414970"/>
       </p:ext>
     </p:extLst>
   </p:cSld>
@@ -5986,8 +5980,8 @@
         </p:nvSpPr>
         <p:spPr>
           <a:xfrm>
-            <a:off x="6543675" y="365125"/>
-            <a:ext cx="1971675" cy="5811838"/>
+            <a:off x="8724900" y="365125"/>
+            <a:ext cx="2628900" cy="5811838"/>
           </a:xfrm>
         </p:spPr>
         <p:txBody>
@@ -6014,8 +6008,8 @@
         </p:nvSpPr>
         <p:spPr>
           <a:xfrm>
-            <a:off x="628650" y="365125"/>
-            <a:ext cx="5800725" cy="5811838"/>
+            <a:off x="838200" y="365125"/>
+            <a:ext cx="7734300" cy="5811838"/>
           </a:xfrm>
         </p:spPr>
         <p:txBody>
@@ -6127,7 +6121,7 @@
     </p:spTree>
     <p:extLst>
       <p:ext uri="{BB962C8B-B14F-4D97-AF65-F5344CB8AC3E}">
-        <p14:creationId xmlns:p14="http://schemas.microsoft.com/office/powerpoint/2010/main" val="2797192279"/>
+        <p14:creationId xmlns:p14="http://schemas.microsoft.com/office/powerpoint/2010/main" val="1773573081"/>
       </p:ext>
     </p:extLst>
   </p:cSld>
@@ -6236,8 +6230,8 @@
         </p:nvSpPr>
         <p:spPr>
           <a:xfrm>
-            <a:off x="4343400" y="1498600"/>
-            <a:ext cx="4343400" cy="4140200"/>
+            <a:off x="5791200" y="1498600"/>
+            <a:ext cx="5791200" cy="4140200"/>
           </a:xfrm>
         </p:spPr>
         <p:txBody>
@@ -6266,8 +6260,8 @@
         </p:nvSpPr>
         <p:spPr>
           <a:xfrm>
-            <a:off x="533400" y="1803401"/>
-            <a:ext cx="2217906" cy="378884"/>
+            <a:off x="711200" y="1803401"/>
+            <a:ext cx="2957208" cy="378884"/>
           </a:xfrm>
         </p:spPr>
         <p:txBody>
@@ -6332,8 +6326,8 @@
         </p:nvSpPr>
         <p:spPr>
           <a:xfrm>
-            <a:off x="533400" y="2108200"/>
-            <a:ext cx="2743200" cy="812800"/>
+            <a:off x="711200" y="2108200"/>
+            <a:ext cx="3657600" cy="812800"/>
           </a:xfrm>
         </p:spPr>
         <p:txBody>
@@ -6397,8 +6391,8 @@
         </p:nvSpPr>
         <p:spPr>
           <a:xfrm>
-            <a:off x="533400" y="3225801"/>
-            <a:ext cx="2217906" cy="378884"/>
+            <a:off x="711200" y="3225801"/>
+            <a:ext cx="2957208" cy="378884"/>
           </a:xfrm>
         </p:spPr>
         <p:txBody>
@@ -6463,8 +6457,8 @@
         </p:nvSpPr>
         <p:spPr>
           <a:xfrm>
-            <a:off x="533400" y="3530600"/>
-            <a:ext cx="2743200" cy="812800"/>
+            <a:off x="711200" y="3530600"/>
+            <a:ext cx="3657600" cy="812800"/>
           </a:xfrm>
         </p:spPr>
         <p:txBody>
@@ -6528,8 +6522,8 @@
         </p:nvSpPr>
         <p:spPr>
           <a:xfrm>
-            <a:off x="533400" y="4648201"/>
-            <a:ext cx="2217906" cy="378884"/>
+            <a:off x="711200" y="4648201"/>
+            <a:ext cx="2957208" cy="378884"/>
           </a:xfrm>
         </p:spPr>
         <p:txBody>
@@ -6594,8 +6588,8 @@
         </p:nvSpPr>
         <p:spPr>
           <a:xfrm>
-            <a:off x="533400" y="4953000"/>
-            <a:ext cx="2743200" cy="812800"/>
+            <a:off x="711200" y="4953000"/>
+            <a:ext cx="3657600" cy="812800"/>
           </a:xfrm>
         </p:spPr>
         <p:txBody>
@@ -6650,7 +6644,7 @@
     </p:spTree>
     <p:extLst>
       <p:ext uri="{BB962C8B-B14F-4D97-AF65-F5344CB8AC3E}">
-        <p14:creationId xmlns:p14="http://schemas.microsoft.com/office/powerpoint/2010/main" val="3358545588"/>
+        <p14:creationId xmlns:p14="http://schemas.microsoft.com/office/powerpoint/2010/main" val="4262090969"/>
       </p:ext>
     </p:extLst>
   </p:cSld>
@@ -6704,8 +6698,8 @@
         </p:nvSpPr>
         <p:spPr>
           <a:xfrm>
-            <a:off x="623888" y="1712423"/>
-            <a:ext cx="7886700" cy="2851208"/>
+            <a:off x="831851" y="1712423"/>
+            <a:ext cx="10515600" cy="2851208"/>
           </a:xfrm>
         </p:spPr>
         <p:txBody>
@@ -6738,8 +6732,8 @@
         </p:nvSpPr>
         <p:spPr>
           <a:xfrm>
-            <a:off x="623888" y="4552634"/>
-            <a:ext cx="7886700" cy="1500187"/>
+            <a:off x="831851" y="4552635"/>
+            <a:ext cx="10515600" cy="1500187"/>
           </a:xfrm>
         </p:spPr>
         <p:txBody>
@@ -6978,8 +6972,8 @@
         </p:nvSpPr>
         <p:spPr>
           <a:xfrm>
-            <a:off x="633845" y="1828801"/>
-            <a:ext cx="3886200" cy="4351337"/>
+            <a:off x="845127" y="1828802"/>
+            <a:ext cx="5181600" cy="4351337"/>
           </a:xfrm>
         </p:spPr>
         <p:txBody>
@@ -7035,8 +7029,8 @@
         </p:nvSpPr>
         <p:spPr>
           <a:xfrm>
-            <a:off x="4629150" y="1828801"/>
-            <a:ext cx="3886200" cy="4351337"/>
+            <a:off x="6172200" y="1828802"/>
+            <a:ext cx="5181600" cy="4351337"/>
           </a:xfrm>
         </p:spPr>
         <p:txBody>
@@ -7187,8 +7181,8 @@
         </p:nvSpPr>
         <p:spPr>
           <a:xfrm>
-            <a:off x="633845" y="1681851"/>
-            <a:ext cx="3867150" cy="825699"/>
+            <a:off x="845127" y="1681852"/>
+            <a:ext cx="5156200" cy="825699"/>
           </a:xfrm>
         </p:spPr>
         <p:txBody>
@@ -7257,8 +7251,8 @@
         </p:nvSpPr>
         <p:spPr>
           <a:xfrm>
-            <a:off x="633845" y="2507551"/>
-            <a:ext cx="3867150" cy="3680525"/>
+            <a:off x="845127" y="2507552"/>
+            <a:ext cx="5156200" cy="3680525"/>
           </a:xfrm>
         </p:spPr>
         <p:txBody>
@@ -7314,8 +7308,8 @@
         </p:nvSpPr>
         <p:spPr>
           <a:xfrm>
-            <a:off x="4629150" y="1681851"/>
-            <a:ext cx="3886201" cy="825698"/>
+            <a:off x="6172201" y="1681851"/>
+            <a:ext cx="5181601" cy="825698"/>
           </a:xfrm>
         </p:spPr>
         <p:txBody>
@@ -7382,8 +7376,8 @@
         </p:nvSpPr>
         <p:spPr>
           <a:xfrm>
-            <a:off x="4629150" y="2507551"/>
-            <a:ext cx="3886201" cy="3680525"/>
+            <a:off x="6172201" y="2507552"/>
+            <a:ext cx="5181601" cy="3680525"/>
           </a:xfrm>
         </p:spPr>
         <p:txBody>
@@ -7770,8 +7764,8 @@
         </p:nvSpPr>
         <p:spPr>
           <a:xfrm>
-            <a:off x="630936" y="457201"/>
-            <a:ext cx="2948940" cy="1600197"/>
+            <a:off x="841248" y="457202"/>
+            <a:ext cx="3931920" cy="1600197"/>
           </a:xfrm>
         </p:spPr>
         <p:txBody>
@@ -7804,8 +7798,8 @@
         </p:nvSpPr>
         <p:spPr>
           <a:xfrm>
-            <a:off x="3886200" y="990600"/>
-            <a:ext cx="4629150" cy="4876800"/>
+            <a:off x="5181600" y="990600"/>
+            <a:ext cx="6172200" cy="4876800"/>
           </a:xfrm>
         </p:spPr>
         <p:txBody>
@@ -7889,8 +7883,8 @@
         </p:nvSpPr>
         <p:spPr>
           <a:xfrm>
-            <a:off x="630936" y="2057399"/>
-            <a:ext cx="2948940" cy="3810001"/>
+            <a:off x="841248" y="2057399"/>
+            <a:ext cx="3931920" cy="3810001"/>
           </a:xfrm>
         </p:spPr>
         <p:txBody>
@@ -8054,8 +8048,8 @@
         </p:nvSpPr>
         <p:spPr>
           <a:xfrm>
-            <a:off x="630936" y="457200"/>
-            <a:ext cx="2948940" cy="1600200"/>
+            <a:off x="841248" y="457200"/>
+            <a:ext cx="3931920" cy="1600200"/>
           </a:xfrm>
         </p:spPr>
         <p:txBody>
@@ -8088,8 +8082,8 @@
         </p:nvSpPr>
         <p:spPr>
           <a:xfrm>
-            <a:off x="3886200" y="990600"/>
-            <a:ext cx="4629150" cy="4876800"/>
+            <a:off x="5181600" y="990600"/>
+            <a:ext cx="6172200" cy="4876800"/>
           </a:xfrm>
         </p:spPr>
         <p:txBody>
@@ -8153,8 +8147,8 @@
         </p:nvSpPr>
         <p:spPr>
           <a:xfrm>
-            <a:off x="630936" y="2057400"/>
-            <a:ext cx="2948940" cy="3810000"/>
+            <a:off x="841248" y="2057400"/>
+            <a:ext cx="3931920" cy="3810000"/>
           </a:xfrm>
         </p:spPr>
         <p:txBody>
@@ -8326,8 +8320,8 @@
         </p:nvSpPr>
         <p:spPr>
           <a:xfrm>
-            <a:off x="633845" y="365760"/>
-            <a:ext cx="7886700" cy="1325562"/>
+            <a:off x="845127" y="365760"/>
+            <a:ext cx="10515600" cy="1325562"/>
           </a:xfrm>
           <a:prstGeom prst="rect">
             <a:avLst/>
@@ -8359,8 +8353,8 @@
         </p:nvSpPr>
         <p:spPr>
           <a:xfrm>
-            <a:off x="633845" y="1828801"/>
-            <a:ext cx="7886700" cy="4351337"/>
+            <a:off x="845127" y="1828802"/>
+            <a:ext cx="10515600" cy="4351337"/>
           </a:xfrm>
           <a:prstGeom prst="rect">
             <a:avLst/>
@@ -8421,8 +8415,8 @@
         </p:nvSpPr>
         <p:spPr>
           <a:xfrm>
-            <a:off x="628650" y="6356351"/>
-            <a:ext cx="2057400" cy="365125"/>
+            <a:off x="838200" y="6356352"/>
+            <a:ext cx="2743200" cy="365125"/>
           </a:xfrm>
           <a:prstGeom prst="rect">
             <a:avLst/>
@@ -8463,8 +8457,8 @@
         </p:nvSpPr>
         <p:spPr>
           <a:xfrm>
-            <a:off x="3028950" y="6356351"/>
-            <a:ext cx="3086100" cy="365125"/>
+            <a:off x="4038600" y="6356352"/>
+            <a:ext cx="4114800" cy="365125"/>
           </a:xfrm>
           <a:prstGeom prst="rect">
             <a:avLst/>
@@ -8501,8 +8495,8 @@
         </p:nvSpPr>
         <p:spPr>
           <a:xfrm>
-            <a:off x="6463145" y="6356351"/>
-            <a:ext cx="2057400" cy="365125"/>
+            <a:off x="8617527" y="6356352"/>
+            <a:ext cx="2743200" cy="365125"/>
           </a:xfrm>
           <a:prstGeom prst="rect">
             <a:avLst/>
@@ -8827,9 +8821,15 @@
   <p:cSld>
     <p:bg>
       <p:bgPr>
-        <a:solidFill>
-          <a:srgbClr val="0070C0"/>
-        </a:solidFill>
+        <a:blipFill dpi="0" rotWithShape="1">
+          <a:blip r:embed="rId20">
+            <a:lum/>
+          </a:blip>
+          <a:srcRect/>
+          <a:stretch>
+            <a:fillRect/>
+          </a:stretch>
+        </a:blipFill>
         <a:effectLst/>
       </p:bgPr>
     </p:bg>
@@ -8859,8 +8859,8 @@
         </p:nvSpPr>
         <p:spPr>
           <a:xfrm>
-            <a:off x="628650" y="365126"/>
-            <a:ext cx="7886700" cy="1325563"/>
+            <a:off x="838200" y="365125"/>
+            <a:ext cx="10515600" cy="1325563"/>
           </a:xfrm>
           <a:prstGeom prst="rect">
             <a:avLst/>
@@ -8892,8 +8892,8 @@
         </p:nvSpPr>
         <p:spPr>
           <a:xfrm>
-            <a:off x="840000" y="1825625"/>
-            <a:ext cx="7675350" cy="4351338"/>
+            <a:off x="1120000" y="1825625"/>
+            <a:ext cx="10233800" cy="4351338"/>
           </a:xfrm>
           <a:prstGeom prst="rect">
             <a:avLst/>
@@ -8954,8 +8954,8 @@
         </p:nvSpPr>
         <p:spPr>
           <a:xfrm>
-            <a:off x="628650" y="6356351"/>
-            <a:ext cx="2057400" cy="365125"/>
+            <a:off x="838200" y="6356350"/>
+            <a:ext cx="2743200" cy="365125"/>
           </a:xfrm>
           <a:prstGeom prst="rect">
             <a:avLst/>
@@ -8965,7 +8965,7 @@
           <a:bodyPr vert="horz" lIns="91440" tIns="45720" rIns="91440" bIns="45720" rtlCol="0" anchor="ctr"/>
           <a:lstStyle>
             <a:lvl1pPr algn="l">
-              <a:defRPr sz="900">
+              <a:defRPr sz="1200">
                 <a:gradFill flip="none" rotWithShape="1">
                   <a:gsLst>
                     <a:gs pos="28000">
@@ -9013,8 +9013,8 @@
         </p:nvSpPr>
         <p:spPr>
           <a:xfrm>
-            <a:off x="3028950" y="6356351"/>
-            <a:ext cx="3086100" cy="365125"/>
+            <a:off x="4038600" y="6356350"/>
+            <a:ext cx="4114800" cy="365125"/>
           </a:xfrm>
           <a:prstGeom prst="rect">
             <a:avLst/>
@@ -9024,7 +9024,7 @@
           <a:bodyPr vert="horz" lIns="91440" tIns="45720" rIns="91440" bIns="45720" rtlCol="0" anchor="ctr"/>
           <a:lstStyle>
             <a:lvl1pPr algn="ctr">
-              <a:defRPr sz="900">
+              <a:defRPr sz="1200">
                 <a:gradFill flip="none" rotWithShape="1">
                   <a:gsLst>
                     <a:gs pos="28000">
@@ -9068,8 +9068,8 @@
         </p:nvSpPr>
         <p:spPr>
           <a:xfrm>
-            <a:off x="6457950" y="6356351"/>
-            <a:ext cx="2057400" cy="365125"/>
+            <a:off x="8610600" y="6356350"/>
+            <a:ext cx="2743200" cy="365125"/>
           </a:xfrm>
           <a:prstGeom prst="rect">
             <a:avLst/>
@@ -9079,7 +9079,7 @@
           <a:bodyPr vert="horz" lIns="91440" tIns="45720" rIns="91440" bIns="45720" rtlCol="0" anchor="ctr"/>
           <a:lstStyle>
             <a:lvl1pPr algn="r">
-              <a:defRPr sz="900">
+              <a:defRPr sz="1200">
                 <a:gradFill flip="none" rotWithShape="1">
                   <a:gsLst>
                     <a:gs pos="28000">
@@ -9118,34 +9118,34 @@
     </p:spTree>
     <p:extLst>
       <p:ext uri="{BB962C8B-B14F-4D97-AF65-F5344CB8AC3E}">
-        <p14:creationId xmlns:p14="http://schemas.microsoft.com/office/powerpoint/2010/main" val="1851571555"/>
+        <p14:creationId xmlns:p14="http://schemas.microsoft.com/office/powerpoint/2010/main" val="1294589374"/>
       </p:ext>
     </p:extLst>
   </p:cSld>
   <p:clrMap bg1="dk1" tx1="lt1" bg2="dk2" tx2="lt2" accent1="accent1" accent2="accent2" accent3="accent3" accent4="accent4" accent5="accent5" accent6="accent6" hlink="hlink" folHlink="folHlink"/>
   <p:sldLayoutIdLst>
-    <p:sldLayoutId id="2147483739" r:id="rId1"/>
-    <p:sldLayoutId id="2147483740" r:id="rId2"/>
-    <p:sldLayoutId id="2147483741" r:id="rId3"/>
-    <p:sldLayoutId id="2147483742" r:id="rId4"/>
-    <p:sldLayoutId id="2147483743" r:id="rId5"/>
-    <p:sldLayoutId id="2147483744" r:id="rId6"/>
-    <p:sldLayoutId id="2147483745" r:id="rId7"/>
-    <p:sldLayoutId id="2147483746" r:id="rId8"/>
-    <p:sldLayoutId id="2147483747" r:id="rId9"/>
-    <p:sldLayoutId id="2147483748" r:id="rId10"/>
-    <p:sldLayoutId id="2147483749" r:id="rId11"/>
-    <p:sldLayoutId id="2147483750" r:id="rId12"/>
-    <p:sldLayoutId id="2147483751" r:id="rId13"/>
-    <p:sldLayoutId id="2147483752" r:id="rId14"/>
-    <p:sldLayoutId id="2147483753" r:id="rId15"/>
-    <p:sldLayoutId id="2147483754" r:id="rId16"/>
-    <p:sldLayoutId id="2147483755" r:id="rId17"/>
-    <p:sldLayoutId id="2147483756" r:id="rId18"/>
+    <p:sldLayoutId id="2147483758" r:id="rId1"/>
+    <p:sldLayoutId id="2147483759" r:id="rId2"/>
+    <p:sldLayoutId id="2147483760" r:id="rId3"/>
+    <p:sldLayoutId id="2147483761" r:id="rId4"/>
+    <p:sldLayoutId id="2147483762" r:id="rId5"/>
+    <p:sldLayoutId id="2147483763" r:id="rId6"/>
+    <p:sldLayoutId id="2147483764" r:id="rId7"/>
+    <p:sldLayoutId id="2147483765" r:id="rId8"/>
+    <p:sldLayoutId id="2147483766" r:id="rId9"/>
+    <p:sldLayoutId id="2147483767" r:id="rId10"/>
+    <p:sldLayoutId id="2147483768" r:id="rId11"/>
+    <p:sldLayoutId id="2147483769" r:id="rId12"/>
+    <p:sldLayoutId id="2147483770" r:id="rId13"/>
+    <p:sldLayoutId id="2147483771" r:id="rId14"/>
+    <p:sldLayoutId id="2147483772" r:id="rId15"/>
+    <p:sldLayoutId id="2147483773" r:id="rId16"/>
+    <p:sldLayoutId id="2147483774" r:id="rId17"/>
+    <p:sldLayoutId id="2147483775" r:id="rId18"/>
   </p:sldLayoutIdLst>
   <p:txStyles>
     <p:titleStyle>
-      <a:lvl1pPr algn="l" defTabSz="685800" rtl="0" eaLnBrk="1" latinLnBrk="0" hangingPunct="1">
+      <a:lvl1pPr algn="l" defTabSz="914400" rtl="0" eaLnBrk="1" latinLnBrk="0" hangingPunct="1">
         <a:lnSpc>
           <a:spcPct val="90000"/>
         </a:lnSpc>
@@ -9153,7 +9153,7 @@
           <a:spcPct val="0"/>
         </a:spcBef>
         <a:buNone/>
-        <a:defRPr sz="4400" b="0" kern="1200">
+        <a:defRPr sz="5400" b="0" kern="1200">
           <a:gradFill flip="none" rotWithShape="1">
             <a:gsLst>
               <a:gs pos="28000">
@@ -9184,12 +9184,49 @@
       </a:lvl1pPr>
     </p:titleStyle>
     <p:bodyStyle>
-      <a:lvl1pPr marL="171450" indent="-171450" algn="l" defTabSz="685800" rtl="0" eaLnBrk="1" latinLnBrk="0" hangingPunct="1">
+      <a:lvl1pPr marL="228600" indent="-228600" algn="l" defTabSz="914400" rtl="0" eaLnBrk="1" latinLnBrk="0" hangingPunct="1">
         <a:lnSpc>
           <a:spcPct val="90000"/>
         </a:lnSpc>
         <a:spcBef>
-          <a:spcPts val="750"/>
+          <a:spcPts val="1000"/>
+        </a:spcBef>
+        <a:buFont typeface="Arial" panose="020B0604020202020204" pitchFamily="34" charset="0"/>
+        <a:buChar char="•"/>
+        <a:defRPr sz="2800" kern="1200">
+          <a:gradFill>
+            <a:gsLst>
+              <a:gs pos="34000">
+                <a:schemeClr val="tx1">
+                  <a:lumMod val="93000"/>
+                </a:schemeClr>
+              </a:gs>
+              <a:gs pos="0">
+                <a:schemeClr val="bg1">
+                  <a:lumMod val="13000"/>
+                  <a:lumOff val="87000"/>
+                </a:schemeClr>
+              </a:gs>
+              <a:gs pos="100000">
+                <a:schemeClr val="tx2">
+                  <a:lumMod val="0"/>
+                  <a:lumOff val="100000"/>
+                </a:schemeClr>
+              </a:gs>
+            </a:gsLst>
+            <a:lin ang="4800000" scaled="0"/>
+          </a:gradFill>
+          <a:latin typeface="+mn-lt"/>
+          <a:ea typeface="+mn-ea"/>
+          <a:cs typeface="+mn-cs"/>
+        </a:defRPr>
+      </a:lvl1pPr>
+      <a:lvl2pPr marL="685800" indent="-228600" algn="l" defTabSz="914400" rtl="0" eaLnBrk="1" latinLnBrk="0" hangingPunct="1">
+        <a:lnSpc>
+          <a:spcPct val="90000"/>
+        </a:lnSpc>
+        <a:spcBef>
+          <a:spcPts val="500"/>
         </a:spcBef>
         <a:buFont typeface="Arial" panose="020B0604020202020204" pitchFamily="34" charset="0"/>
         <a:buChar char="•"/>
@@ -9220,13 +9257,13 @@
           <a:ea typeface="+mn-ea"/>
           <a:cs typeface="+mn-cs"/>
         </a:defRPr>
-      </a:lvl1pPr>
-      <a:lvl2pPr marL="514350" indent="-171450" algn="l" defTabSz="685800" rtl="0" eaLnBrk="1" latinLnBrk="0" hangingPunct="1">
+      </a:lvl2pPr>
+      <a:lvl3pPr marL="1143000" indent="-228600" algn="l" defTabSz="914400" rtl="0" eaLnBrk="1" latinLnBrk="0" hangingPunct="1">
         <a:lnSpc>
           <a:spcPct val="90000"/>
         </a:lnSpc>
         <a:spcBef>
-          <a:spcPts val="375"/>
+          <a:spcPts val="500"/>
         </a:spcBef>
         <a:buFont typeface="Arial" panose="020B0604020202020204" pitchFamily="34" charset="0"/>
         <a:buChar char="•"/>
@@ -9257,54 +9294,17 @@
           <a:ea typeface="+mn-ea"/>
           <a:cs typeface="+mn-cs"/>
         </a:defRPr>
-      </a:lvl2pPr>
-      <a:lvl3pPr marL="857250" indent="-171450" algn="l" defTabSz="685800" rtl="0" eaLnBrk="1" latinLnBrk="0" hangingPunct="1">
+      </a:lvl3pPr>
+      <a:lvl4pPr marL="1600200" indent="-228600" algn="l" defTabSz="914400" rtl="0" eaLnBrk="1" latinLnBrk="0" hangingPunct="1">
         <a:lnSpc>
           <a:spcPct val="90000"/>
         </a:lnSpc>
         <a:spcBef>
-          <a:spcPts val="375"/>
+          <a:spcPts val="500"/>
         </a:spcBef>
         <a:buFont typeface="Arial" panose="020B0604020202020204" pitchFamily="34" charset="0"/>
         <a:buChar char="•"/>
-        <a:defRPr sz="1600" kern="1200">
-          <a:gradFill>
-            <a:gsLst>
-              <a:gs pos="34000">
-                <a:schemeClr val="tx1">
-                  <a:lumMod val="93000"/>
-                </a:schemeClr>
-              </a:gs>
-              <a:gs pos="0">
-                <a:schemeClr val="bg1">
-                  <a:lumMod val="13000"/>
-                  <a:lumOff val="87000"/>
-                </a:schemeClr>
-              </a:gs>
-              <a:gs pos="100000">
-                <a:schemeClr val="tx2">
-                  <a:lumMod val="0"/>
-                  <a:lumOff val="100000"/>
-                </a:schemeClr>
-              </a:gs>
-            </a:gsLst>
-            <a:lin ang="4800000" scaled="0"/>
-          </a:gradFill>
-          <a:latin typeface="+mn-lt"/>
-          <a:ea typeface="+mn-ea"/>
-          <a:cs typeface="+mn-cs"/>
-        </a:defRPr>
-      </a:lvl3pPr>
-      <a:lvl4pPr marL="1200150" indent="-171450" algn="l" defTabSz="685800" rtl="0" eaLnBrk="1" latinLnBrk="0" hangingPunct="1">
-        <a:lnSpc>
-          <a:spcPct val="90000"/>
-        </a:lnSpc>
-        <a:spcBef>
-          <a:spcPts val="375"/>
-        </a:spcBef>
-        <a:buFont typeface="Arial" panose="020B0604020202020204" pitchFamily="34" charset="0"/>
-        <a:buChar char="•"/>
-        <a:defRPr sz="1400" kern="1200">
+        <a:defRPr sz="1800" kern="1200">
           <a:gradFill>
             <a:gsLst>
               <a:gs pos="34000">
@@ -9332,16 +9332,16 @@
           <a:cs typeface="+mn-cs"/>
         </a:defRPr>
       </a:lvl4pPr>
-      <a:lvl5pPr marL="1543050" indent="-171450" algn="l" defTabSz="685800" rtl="0" eaLnBrk="1" latinLnBrk="0" hangingPunct="1">
+      <a:lvl5pPr marL="2057400" indent="-228600" algn="l" defTabSz="914400" rtl="0" eaLnBrk="1" latinLnBrk="0" hangingPunct="1">
         <a:lnSpc>
           <a:spcPct val="90000"/>
         </a:lnSpc>
         <a:spcBef>
-          <a:spcPts val="375"/>
+          <a:spcPts val="500"/>
         </a:spcBef>
         <a:buFont typeface="Arial" panose="020B0604020202020204" pitchFamily="34" charset="0"/>
         <a:buChar char="•"/>
-        <a:defRPr sz="1400" kern="1200">
+        <a:defRPr sz="1800" kern="1200">
           <a:gradFill>
             <a:gsLst>
               <a:gs pos="34000">
@@ -9369,16 +9369,16 @@
           <a:cs typeface="+mn-cs"/>
         </a:defRPr>
       </a:lvl5pPr>
-      <a:lvl6pPr marL="1885950" indent="-171450" algn="l" defTabSz="685800" rtl="0" eaLnBrk="1" latinLnBrk="0" hangingPunct="1">
+      <a:lvl6pPr marL="2514600" indent="-228600" algn="l" defTabSz="914400" rtl="0" eaLnBrk="1" latinLnBrk="0" hangingPunct="1">
         <a:lnSpc>
           <a:spcPct val="90000"/>
         </a:lnSpc>
         <a:spcBef>
-          <a:spcPts val="375"/>
+          <a:spcPts val="500"/>
         </a:spcBef>
         <a:buFont typeface="Arial" panose="020B0604020202020204" pitchFamily="34" charset="0"/>
         <a:buChar char="•"/>
-        <a:defRPr sz="1350" kern="1200">
+        <a:defRPr sz="1800" kern="1200">
           <a:solidFill>
             <a:schemeClr val="tx1"/>
           </a:solidFill>
@@ -9387,16 +9387,16 @@
           <a:cs typeface="+mn-cs"/>
         </a:defRPr>
       </a:lvl6pPr>
-      <a:lvl7pPr marL="2228850" indent="-171450" algn="l" defTabSz="685800" rtl="0" eaLnBrk="1" latinLnBrk="0" hangingPunct="1">
+      <a:lvl7pPr marL="2971800" indent="-228600" algn="l" defTabSz="914400" rtl="0" eaLnBrk="1" latinLnBrk="0" hangingPunct="1">
         <a:lnSpc>
           <a:spcPct val="90000"/>
         </a:lnSpc>
         <a:spcBef>
-          <a:spcPts val="375"/>
+          <a:spcPts val="500"/>
         </a:spcBef>
         <a:buFont typeface="Arial" panose="020B0604020202020204" pitchFamily="34" charset="0"/>
         <a:buChar char="•"/>
-        <a:defRPr sz="1350" kern="1200">
+        <a:defRPr sz="1800" kern="1200">
           <a:solidFill>
             <a:schemeClr val="tx1"/>
           </a:solidFill>
@@ -9405,16 +9405,16 @@
           <a:cs typeface="+mn-cs"/>
         </a:defRPr>
       </a:lvl7pPr>
-      <a:lvl8pPr marL="2571750" indent="-171450" algn="l" defTabSz="685800" rtl="0" eaLnBrk="1" latinLnBrk="0" hangingPunct="1">
+      <a:lvl8pPr marL="3429000" indent="-228600" algn="l" defTabSz="914400" rtl="0" eaLnBrk="1" latinLnBrk="0" hangingPunct="1">
         <a:lnSpc>
           <a:spcPct val="90000"/>
         </a:lnSpc>
         <a:spcBef>
-          <a:spcPts val="375"/>
+          <a:spcPts val="500"/>
         </a:spcBef>
         <a:buFont typeface="Arial" panose="020B0604020202020204" pitchFamily="34" charset="0"/>
         <a:buChar char="•"/>
-        <a:defRPr sz="1350" kern="1200">
+        <a:defRPr sz="1800" kern="1200">
           <a:solidFill>
             <a:schemeClr val="tx1"/>
           </a:solidFill>
@@ -9423,16 +9423,16 @@
           <a:cs typeface="+mn-cs"/>
         </a:defRPr>
       </a:lvl8pPr>
-      <a:lvl9pPr marL="2914650" indent="-171450" algn="l" defTabSz="685800" rtl="0" eaLnBrk="1" latinLnBrk="0" hangingPunct="1">
+      <a:lvl9pPr marL="3886200" indent="-228600" algn="l" defTabSz="914400" rtl="0" eaLnBrk="1" latinLnBrk="0" hangingPunct="1">
         <a:lnSpc>
           <a:spcPct val="90000"/>
         </a:lnSpc>
         <a:spcBef>
-          <a:spcPts val="375"/>
+          <a:spcPts val="500"/>
         </a:spcBef>
         <a:buFont typeface="Arial" panose="020B0604020202020204" pitchFamily="34" charset="0"/>
         <a:buChar char="•"/>
-        <a:defRPr sz="1350" kern="1200">
+        <a:defRPr sz="1800" kern="1200">
           <a:solidFill>
             <a:schemeClr val="tx1"/>
           </a:solidFill>
@@ -9446,8 +9446,8 @@
       <a:defPPr>
         <a:defRPr lang="en-US"/>
       </a:defPPr>
-      <a:lvl1pPr marL="0" algn="l" defTabSz="685800" rtl="0" eaLnBrk="1" latinLnBrk="0" hangingPunct="1">
-        <a:defRPr sz="1350" kern="1200">
+      <a:lvl1pPr marL="0" algn="l" defTabSz="914400" rtl="0" eaLnBrk="1" latinLnBrk="0" hangingPunct="1">
+        <a:defRPr sz="1800" kern="1200">
           <a:solidFill>
             <a:schemeClr val="tx1"/>
           </a:solidFill>
@@ -9456,8 +9456,8 @@
           <a:cs typeface="+mn-cs"/>
         </a:defRPr>
       </a:lvl1pPr>
-      <a:lvl2pPr marL="342900" algn="l" defTabSz="685800" rtl="0" eaLnBrk="1" latinLnBrk="0" hangingPunct="1">
-        <a:defRPr sz="1350" kern="1200">
+      <a:lvl2pPr marL="457200" algn="l" defTabSz="914400" rtl="0" eaLnBrk="1" latinLnBrk="0" hangingPunct="1">
+        <a:defRPr sz="1800" kern="1200">
           <a:solidFill>
             <a:schemeClr val="tx1"/>
           </a:solidFill>
@@ -9466,8 +9466,8 @@
           <a:cs typeface="+mn-cs"/>
         </a:defRPr>
       </a:lvl2pPr>
-      <a:lvl3pPr marL="685800" algn="l" defTabSz="685800" rtl="0" eaLnBrk="1" latinLnBrk="0" hangingPunct="1">
-        <a:defRPr sz="1350" kern="1200">
+      <a:lvl3pPr marL="914400" algn="l" defTabSz="914400" rtl="0" eaLnBrk="1" latinLnBrk="0" hangingPunct="1">
+        <a:defRPr sz="1800" kern="1200">
           <a:solidFill>
             <a:schemeClr val="tx1"/>
           </a:solidFill>
@@ -9476,8 +9476,8 @@
           <a:cs typeface="+mn-cs"/>
         </a:defRPr>
       </a:lvl3pPr>
-      <a:lvl4pPr marL="1028700" algn="l" defTabSz="685800" rtl="0" eaLnBrk="1" latinLnBrk="0" hangingPunct="1">
-        <a:defRPr sz="1350" kern="1200">
+      <a:lvl4pPr marL="1371600" algn="l" defTabSz="914400" rtl="0" eaLnBrk="1" latinLnBrk="0" hangingPunct="1">
+        <a:defRPr sz="1800" kern="1200">
           <a:solidFill>
             <a:schemeClr val="tx1"/>
           </a:solidFill>
@@ -9486,8 +9486,8 @@
           <a:cs typeface="+mn-cs"/>
         </a:defRPr>
       </a:lvl4pPr>
-      <a:lvl5pPr marL="1371600" algn="l" defTabSz="685800" rtl="0" eaLnBrk="1" latinLnBrk="0" hangingPunct="1">
-        <a:defRPr sz="1350" kern="1200">
+      <a:lvl5pPr marL="1828800" algn="l" defTabSz="914400" rtl="0" eaLnBrk="1" latinLnBrk="0" hangingPunct="1">
+        <a:defRPr sz="1800" kern="1200">
           <a:solidFill>
             <a:schemeClr val="tx1"/>
           </a:solidFill>
@@ -9496,8 +9496,8 @@
           <a:cs typeface="+mn-cs"/>
         </a:defRPr>
       </a:lvl5pPr>
-      <a:lvl6pPr marL="1714500" algn="l" defTabSz="685800" rtl="0" eaLnBrk="1" latinLnBrk="0" hangingPunct="1">
-        <a:defRPr sz="1350" kern="1200">
+      <a:lvl6pPr marL="2286000" algn="l" defTabSz="914400" rtl="0" eaLnBrk="1" latinLnBrk="0" hangingPunct="1">
+        <a:defRPr sz="1800" kern="1200">
           <a:solidFill>
             <a:schemeClr val="tx1"/>
           </a:solidFill>
@@ -9506,8 +9506,8 @@
           <a:cs typeface="+mn-cs"/>
         </a:defRPr>
       </a:lvl6pPr>
-      <a:lvl7pPr marL="2057400" algn="l" defTabSz="685800" rtl="0" eaLnBrk="1" latinLnBrk="0" hangingPunct="1">
-        <a:defRPr sz="1350" kern="1200">
+      <a:lvl7pPr marL="2743200" algn="l" defTabSz="914400" rtl="0" eaLnBrk="1" latinLnBrk="0" hangingPunct="1">
+        <a:defRPr sz="1800" kern="1200">
           <a:solidFill>
             <a:schemeClr val="tx1"/>
           </a:solidFill>
@@ -9516,8 +9516,8 @@
           <a:cs typeface="+mn-cs"/>
         </a:defRPr>
       </a:lvl7pPr>
-      <a:lvl8pPr marL="2400300" algn="l" defTabSz="685800" rtl="0" eaLnBrk="1" latinLnBrk="0" hangingPunct="1">
-        <a:defRPr sz="1350" kern="1200">
+      <a:lvl8pPr marL="3200400" algn="l" defTabSz="914400" rtl="0" eaLnBrk="1" latinLnBrk="0" hangingPunct="1">
+        <a:defRPr sz="1800" kern="1200">
           <a:solidFill>
             <a:schemeClr val="tx1"/>
           </a:solidFill>
@@ -9526,8 +9526,8 @@
           <a:cs typeface="+mn-cs"/>
         </a:defRPr>
       </a:lvl8pPr>
-      <a:lvl9pPr marL="2743200" algn="l" defTabSz="685800" rtl="0" eaLnBrk="1" latinLnBrk="0" hangingPunct="1">
-        <a:defRPr sz="1350" kern="1200">
+      <a:lvl9pPr marL="3657600" algn="l" defTabSz="914400" rtl="0" eaLnBrk="1" latinLnBrk="0" hangingPunct="1">
+        <a:defRPr sz="1800" kern="1200">
           <a:solidFill>
             <a:schemeClr val="tx1"/>
           </a:solidFill>
@@ -9544,6 +9544,14 @@
 <file path=ppt/slides/slide1.xml><?xml version="1.0" encoding="utf-8"?>
 <p:sld xmlns:a="http://schemas.openxmlformats.org/drawingml/2006/main" xmlns:r="http://schemas.openxmlformats.org/officeDocument/2006/relationships" xmlns:p="http://schemas.openxmlformats.org/presentationml/2006/main">
   <p:cSld>
+    <p:bg>
+      <p:bgPr>
+        <a:solidFill>
+          <a:srgbClr val="FF0000"/>
+        </a:solidFill>
+        <a:effectLst/>
+      </p:bgPr>
+    </p:bg>
     <p:spTree>
       <p:nvGrpSpPr>
         <p:cNvPr id="1" name=""/>
@@ -9570,7 +9578,7 @@
         </p:nvSpPr>
         <p:spPr>
           <a:xfrm>
-            <a:off x="1115616" y="908720"/>
+            <a:off x="2639616" y="908720"/>
             <a:ext cx="6858000" cy="1872208"/>
           </a:xfrm>
         </p:spPr>
@@ -9608,7 +9616,7 @@
         </p:nvSpPr>
         <p:spPr>
           <a:xfrm>
-            <a:off x="1143000" y="3429000"/>
+            <a:off x="2667000" y="3429000"/>
             <a:ext cx="6858000" cy="2232248"/>
           </a:xfrm>
         </p:spPr>
@@ -9684,7 +9692,7 @@
         </p:nvSpPr>
         <p:spPr>
           <a:xfrm>
-            <a:off x="457200" y="274638"/>
+            <a:off x="1981200" y="274638"/>
             <a:ext cx="8229600" cy="1143000"/>
           </a:xfrm>
         </p:spPr>
@@ -9740,7 +9748,7 @@
           </p:nvPr>
         </p:nvGraphicFramePr>
         <p:xfrm>
-          <a:off x="755576" y="1340768"/>
+          <a:off x="2279576" y="1340768"/>
           <a:ext cx="7704856" cy="5328592"/>
         </p:xfrm>
         <a:graphic>
@@ -10158,6 +10166,14 @@
 <file path=ppt/slides/slide3.xml><?xml version="1.0" encoding="utf-8"?>
 <p:sld xmlns:a="http://schemas.openxmlformats.org/drawingml/2006/main" xmlns:r="http://schemas.openxmlformats.org/officeDocument/2006/relationships" xmlns:p="http://schemas.openxmlformats.org/presentationml/2006/main">
   <p:cSld>
+    <p:bg>
+      <p:bgPr>
+        <a:solidFill>
+          <a:srgbClr val="FF0000"/>
+        </a:solidFill>
+        <a:effectLst/>
+      </p:bgPr>
+    </p:bg>
     <p:spTree>
       <p:nvGrpSpPr>
         <p:cNvPr id="1" name=""/>
@@ -10179,7 +10195,7 @@
             <a:spLocks noGrp="1"/>
           </p:cNvSpPr>
           <p:nvPr>
-            <p:ph type="title"/>
+            <p:ph type="ctrTitle"/>
           </p:nvPr>
         </p:nvSpPr>
         <p:spPr/>
@@ -10189,7 +10205,7 @@
           <a:p>
             <a:r>
               <a:rPr lang="pt-BR" dirty="0" smtClean="0"/>
-              <a:t>É só o começo</a:t>
+              <a:t>É só o começo...</a:t>
             </a:r>
             <a:endParaRPr lang="pt-BR" dirty="0"/>
           </a:p>
@@ -10197,12 +10213,12 @@
       </p:sp>
       <p:sp>
         <p:nvSpPr>
-          <p:cNvPr id="11" name="Espaço Reservado para Conteúdo 10"/>
-          <p:cNvSpPr>
-            <a:spLocks noGrp="1"/>
-          </p:cNvSpPr>
-          <p:nvPr>
-            <p:ph idx="1"/>
+          <p:cNvPr id="2" name="Subtítulo 1"/>
+          <p:cNvSpPr>
+            <a:spLocks noGrp="1"/>
+          </p:cNvSpPr>
+          <p:nvPr>
+            <p:ph type="subTitle" idx="1"/>
           </p:nvPr>
         </p:nvSpPr>
         <p:spPr/>
@@ -10210,7 +10226,7 @@
           <a:bodyPr/>
           <a:lstStyle/>
           <a:p>
-            <a:endParaRPr lang="pt-BR" dirty="0"/>
+            <a:endParaRPr lang="en-US"/>
           </a:p>
         </p:txBody>
       </p:sp>
@@ -10232,6 +10248,13 @@
       <p:transition spd="slow"/>
     </mc:Fallback>
   </mc:AlternateContent>
+  <p:timing>
+    <p:tnLst>
+      <p:par>
+        <p:cTn id="1" dur="indefinite" restart="never" nodeType="tmRoot"/>
+      </p:par>
+    </p:tnLst>
+  </p:timing>
 </p:sld>
 </file>
 
@@ -10491,7 +10514,7 @@
 <file path=ppt/theme/theme2.xml><?xml version="1.0" encoding="utf-8"?>
 <a:theme xmlns:a="http://schemas.openxmlformats.org/drawingml/2006/main" name="Profundidade">
   <a:themeElements>
-    <a:clrScheme name="Capital Próprio">
+    <a:clrScheme name="Profundidade">
       <a:dk1>
         <a:sysClr val="windowText" lastClr="000000"/>
       </a:dk1>
@@ -10499,34 +10522,34 @@
         <a:sysClr val="window" lastClr="FFFFFF"/>
       </a:lt1>
       <a:dk2>
-        <a:srgbClr val="696464"/>
+        <a:srgbClr val="4B4B4B"/>
       </a:dk2>
       <a:lt2>
-        <a:srgbClr val="E9E5DC"/>
+        <a:srgbClr val="8ED5C1"/>
       </a:lt2>
       <a:accent1>
-        <a:srgbClr val="D34817"/>
+        <a:srgbClr val="73CBB2"/>
       </a:accent1>
       <a:accent2>
-        <a:srgbClr val="9B2D1F"/>
+        <a:srgbClr val="AACD5B"/>
       </a:accent2>
       <a:accent3>
-        <a:srgbClr val="A28E6A"/>
+        <a:srgbClr val="65A9E1"/>
       </a:accent3>
       <a:accent4>
-        <a:srgbClr val="956251"/>
+        <a:srgbClr val="6274D8"/>
       </a:accent4>
       <a:accent5>
-        <a:srgbClr val="918485"/>
+        <a:srgbClr val="AB54D7"/>
       </a:accent5>
       <a:accent6>
-        <a:srgbClr val="855D5D"/>
+        <a:srgbClr val="D15B37"/>
       </a:accent6>
       <a:hlink>
-        <a:srgbClr val="CC9900"/>
+        <a:srgbClr val="BFE962"/>
       </a:hlink>
       <a:folHlink>
-        <a:srgbClr val="96A9A9"/>
+        <a:srgbClr val="C0D591"/>
       </a:folHlink>
     </a:clrScheme>
     <a:fontScheme name="Profundidade">
@@ -10743,7 +10766,7 @@
   <a:extraClrSchemeLst/>
   <a:extLst>
     <a:ext uri="{05A4C25C-085E-4340-85A3-A5531E510DB2}">
-      <thm15:themeFamily xmlns="" xmlns:thm15="http://schemas.microsoft.com/office/thememl/2012/main" name="Depth" id="{7BEAFC2A-325C-49C4-AC08-2B765DA903F9}" vid="{47428100-C732-4B2E-A30A-5273F581A0FA}"/>
+      <thm15:themeFamily xmlns:thm15="http://schemas.microsoft.com/office/thememl/2012/main" name="Depth" id="{7BEAFC2A-325C-49C4-AC08-2B765DA903F9}" vid="{47428100-C732-4B2E-A30A-5273F581A0FA}"/>
     </a:ext>
   </a:extLst>
 </a:theme>
